--- a/van_der_Waals_Paper/figures/supplement/westerns/westerns.pptx
+++ b/van_der_Waals_Paper/figures/supplement/westerns/westerns.pptx
@@ -1,24 +1,123 @@
 
 <file path=ppt/presentation.xml><?xml version="1.0" encoding="utf-8"?>
-<p:presentation xmlns:a="http://schemas.openxmlformats.org/drawingml/2006/main" xmlns:p="http://schemas.openxmlformats.org/presentationml/2006/main" xmlns:r="http://schemas.openxmlformats.org/officeDocument/2006/relationships" xmlns:p14="http://schemas.microsoft.com/office/powerpoint/2010/main" xmlns:p15="http://schemas.microsoft.com/office/powerpoint/2012/main" xmlns:mc="http://schemas.openxmlformats.org/markup-compatibility/2006">
+<p:presentation xmlns:a="http://schemas.openxmlformats.org/drawingml/2006/main" xmlns:r="http://schemas.openxmlformats.org/officeDocument/2006/relationships" xmlns:p="http://schemas.openxmlformats.org/presentationml/2006/main">
   <p:sldMasterIdLst>
-    <p:sldMasterId id="2147483648" r:id="rId2"/>
-    <p:sldMasterId id="2147483661" r:id="rId3"/>
+    <p:sldMasterId id="2147483648" r:id="rId1"/>
+    <p:sldMasterId id="2147483661" r:id="rId2"/>
   </p:sldMasterIdLst>
   <p:sldIdLst>
-    <p:sldId id="256" r:id="rId4"/>
-    <p:sldId id="257" r:id="rId5"/>
-    <p:sldId id="258" r:id="rId6"/>
-    <p:sldId id="259" r:id="rId7"/>
-    <p:sldId id="260" r:id="rId8"/>
+    <p:sldId id="256" r:id="rId3"/>
+    <p:sldId id="257" r:id="rId4"/>
+    <p:sldId id="258" r:id="rId5"/>
+    <p:sldId id="259" r:id="rId6"/>
   </p:sldIdLst>
   <p:sldSz cx="12192000" cy="6858000"/>
   <p:notesSz cx="7772400" cy="10058400"/>
+  <p:defaultTextStyle>
+    <a:defPPr>
+      <a:defRPr lang="en-US"/>
+    </a:defPPr>
+    <a:lvl1pPr marL="0" algn="l" defTabSz="914400" rtl="0" eaLnBrk="1" latinLnBrk="0" hangingPunct="1">
+      <a:defRPr sz="1800" kern="1200">
+        <a:solidFill>
+          <a:schemeClr val="tx1"/>
+        </a:solidFill>
+        <a:latin typeface="+mn-lt"/>
+        <a:ea typeface="+mn-ea"/>
+        <a:cs typeface="+mn-cs"/>
+      </a:defRPr>
+    </a:lvl1pPr>
+    <a:lvl2pPr marL="457200" algn="l" defTabSz="914400" rtl="0" eaLnBrk="1" latinLnBrk="0" hangingPunct="1">
+      <a:defRPr sz="1800" kern="1200">
+        <a:solidFill>
+          <a:schemeClr val="tx1"/>
+        </a:solidFill>
+        <a:latin typeface="+mn-lt"/>
+        <a:ea typeface="+mn-ea"/>
+        <a:cs typeface="+mn-cs"/>
+      </a:defRPr>
+    </a:lvl2pPr>
+    <a:lvl3pPr marL="914400" algn="l" defTabSz="914400" rtl="0" eaLnBrk="1" latinLnBrk="0" hangingPunct="1">
+      <a:defRPr sz="1800" kern="1200">
+        <a:solidFill>
+          <a:schemeClr val="tx1"/>
+        </a:solidFill>
+        <a:latin typeface="+mn-lt"/>
+        <a:ea typeface="+mn-ea"/>
+        <a:cs typeface="+mn-cs"/>
+      </a:defRPr>
+    </a:lvl3pPr>
+    <a:lvl4pPr marL="1371600" algn="l" defTabSz="914400" rtl="0" eaLnBrk="1" latinLnBrk="0" hangingPunct="1">
+      <a:defRPr sz="1800" kern="1200">
+        <a:solidFill>
+          <a:schemeClr val="tx1"/>
+        </a:solidFill>
+        <a:latin typeface="+mn-lt"/>
+        <a:ea typeface="+mn-ea"/>
+        <a:cs typeface="+mn-cs"/>
+      </a:defRPr>
+    </a:lvl4pPr>
+    <a:lvl5pPr marL="1828800" algn="l" defTabSz="914400" rtl="0" eaLnBrk="1" latinLnBrk="0" hangingPunct="1">
+      <a:defRPr sz="1800" kern="1200">
+        <a:solidFill>
+          <a:schemeClr val="tx1"/>
+        </a:solidFill>
+        <a:latin typeface="+mn-lt"/>
+        <a:ea typeface="+mn-ea"/>
+        <a:cs typeface="+mn-cs"/>
+      </a:defRPr>
+    </a:lvl5pPr>
+    <a:lvl6pPr marL="2286000" algn="l" defTabSz="914400" rtl="0" eaLnBrk="1" latinLnBrk="0" hangingPunct="1">
+      <a:defRPr sz="1800" kern="1200">
+        <a:solidFill>
+          <a:schemeClr val="tx1"/>
+        </a:solidFill>
+        <a:latin typeface="+mn-lt"/>
+        <a:ea typeface="+mn-ea"/>
+        <a:cs typeface="+mn-cs"/>
+      </a:defRPr>
+    </a:lvl6pPr>
+    <a:lvl7pPr marL="2743200" algn="l" defTabSz="914400" rtl="0" eaLnBrk="1" latinLnBrk="0" hangingPunct="1">
+      <a:defRPr sz="1800" kern="1200">
+        <a:solidFill>
+          <a:schemeClr val="tx1"/>
+        </a:solidFill>
+        <a:latin typeface="+mn-lt"/>
+        <a:ea typeface="+mn-ea"/>
+        <a:cs typeface="+mn-cs"/>
+      </a:defRPr>
+    </a:lvl7pPr>
+    <a:lvl8pPr marL="3200400" algn="l" defTabSz="914400" rtl="0" eaLnBrk="1" latinLnBrk="0" hangingPunct="1">
+      <a:defRPr sz="1800" kern="1200">
+        <a:solidFill>
+          <a:schemeClr val="tx1"/>
+        </a:solidFill>
+        <a:latin typeface="+mn-lt"/>
+        <a:ea typeface="+mn-ea"/>
+        <a:cs typeface="+mn-cs"/>
+      </a:defRPr>
+    </a:lvl8pPr>
+    <a:lvl9pPr marL="3657600" algn="l" defTabSz="914400" rtl="0" eaLnBrk="1" latinLnBrk="0" hangingPunct="1">
+      <a:defRPr sz="1800" kern="1200">
+        <a:solidFill>
+          <a:schemeClr val="tx1"/>
+        </a:solidFill>
+        <a:latin typeface="+mn-lt"/>
+        <a:ea typeface="+mn-ea"/>
+        <a:cs typeface="+mn-cs"/>
+      </a:defRPr>
+    </a:lvl9pPr>
+  </p:defaultTextStyle>
+  <p:extLst>
+    <p:ext uri="{EFAFB233-063F-42B5-8137-9DF3F51BA10A}">
+      <p15:sldGuideLst xmlns:p15="http://schemas.microsoft.com/office/powerpoint/2012/main"/>
+    </p:ext>
+  </p:extLst>
 </p:presentation>
 </file>
 
 <file path=ppt/slideLayouts/slideLayout1.xml><?xml version="1.0" encoding="utf-8"?>
-<p:sldLayout xmlns:a="http://schemas.openxmlformats.org/drawingml/2006/main" xmlns:p="http://schemas.openxmlformats.org/presentationml/2006/main" xmlns:r="http://schemas.openxmlformats.org/officeDocument/2006/relationships" xmlns:p14="http://schemas.microsoft.com/office/powerpoint/2010/main" xmlns:p15="http://schemas.microsoft.com/office/powerpoint/2012/main" xmlns:mc="http://schemas.openxmlformats.org/markup-compatibility/2006" type="blank" preserve="1">
+<p:sldLayout xmlns:a="http://schemas.openxmlformats.org/drawingml/2006/main" xmlns:r="http://schemas.openxmlformats.org/officeDocument/2006/relationships" xmlns:p="http://schemas.openxmlformats.org/presentationml/2006/main" type="blank" preserve="1">
   <p:cSld name="Blank Slide">
     <p:spTree>
       <p:nvGrpSpPr>
@@ -47,6 +146,7 @@
         <p:spPr/>
         <p:txBody>
           <a:bodyPr/>
+          <a:lstStyle/>
           <a:p>
             <a:r>
               <a:t>Footer</a:t>
@@ -67,10 +167,12 @@
         <p:spPr/>
         <p:txBody>
           <a:bodyPr/>
+          <a:lstStyle/>
           <a:p>
             <a:fld id="{3DCEDEDD-CAD9-4CCD-A5C9-D189066EE041}" type="slidenum">
-              <a:t>&lt;#&gt;</a:t>
+              <a:t>‹#›</a:t>
             </a:fld>
+            <a:endParaRPr/>
           </a:p>
         </p:txBody>
       </p:sp>
@@ -87,21 +189,22 @@
         <p:spPr/>
         <p:txBody>
           <a:bodyPr/>
-          <a:p>
-            <a:r>
-              <a:rPr lang="en-US"/>
-              <a:t/>
-            </a:r>
+          <a:lstStyle/>
+          <a:p>
+            <a:endParaRPr/>
           </a:p>
         </p:txBody>
       </p:sp>
     </p:spTree>
   </p:cSld>
+  <p:clrMapOvr>
+    <a:masterClrMapping/>
+  </p:clrMapOvr>
 </p:sldLayout>
 </file>
 
 <file path=ppt/slideLayouts/slideLayout10.xml><?xml version="1.0" encoding="utf-8"?>
-<p:sldLayout xmlns:a="http://schemas.openxmlformats.org/drawingml/2006/main" xmlns:p="http://schemas.openxmlformats.org/presentationml/2006/main" xmlns:r="http://schemas.openxmlformats.org/officeDocument/2006/relationships" xmlns:p14="http://schemas.microsoft.com/office/powerpoint/2010/main" xmlns:p15="http://schemas.microsoft.com/office/powerpoint/2012/main" xmlns:mc="http://schemas.openxmlformats.org/markup-compatibility/2006" type="objOverTx" preserve="1">
+<p:sldLayout xmlns:a="http://schemas.openxmlformats.org/drawingml/2006/main" xmlns:r="http://schemas.openxmlformats.org/officeDocument/2006/relationships" xmlns:p="http://schemas.openxmlformats.org/presentationml/2006/main" type="objOverTx" preserve="1">
   <p:cSld name="Title, Content over Content">
     <p:spTree>
       <p:nvGrpSpPr>
@@ -141,11 +244,12 @@
           </a:ln>
         </p:spPr>
         <p:txBody>
-          <a:bodyPr lIns="0" rIns="0" tIns="0" bIns="0" anchor="ctr">
+          <a:bodyPr lIns="0" tIns="0" rIns="0" bIns="0" anchor="ctr">
             <a:noAutofit/>
           </a:bodyPr>
-          <a:p>
-            <a:endParaRPr b="0" lang="en-US" sz="1800" spc="-1" strike="noStrike">
+          <a:lstStyle/>
+          <a:p>
+            <a:endParaRPr lang="en-US" sz="1800" b="0" strike="noStrike" spc="-1">
               <a:solidFill>
                 <a:srgbClr val="000000"/>
               </a:solidFill>
@@ -178,9 +282,10 @@
           </a:ln>
         </p:spPr>
         <p:txBody>
-          <a:bodyPr lIns="0" rIns="0" tIns="0" bIns="0" anchor="t">
+          <a:bodyPr lIns="0" tIns="0" rIns="0" bIns="0" anchor="t">
             <a:normAutofit/>
           </a:bodyPr>
+          <a:lstStyle/>
           <a:p>
             <a:pPr>
               <a:lnSpc>
@@ -191,7 +296,7 @@
               </a:spcBef>
               <a:buNone/>
             </a:pPr>
-            <a:endParaRPr b="0" lang="en-US" sz="2800" spc="-1" strike="noStrike">
+            <a:endParaRPr lang="en-US" sz="2800" b="0" strike="noStrike" spc="-1">
               <a:solidFill>
                 <a:srgbClr val="000000"/>
               </a:solidFill>
@@ -224,9 +329,10 @@
           </a:ln>
         </p:spPr>
         <p:txBody>
-          <a:bodyPr lIns="0" rIns="0" tIns="0" bIns="0" anchor="t">
+          <a:bodyPr lIns="0" tIns="0" rIns="0" bIns="0" anchor="t">
             <a:normAutofit/>
           </a:bodyPr>
+          <a:lstStyle/>
           <a:p>
             <a:pPr>
               <a:lnSpc>
@@ -237,7 +343,7 @@
               </a:spcBef>
               <a:buNone/>
             </a:pPr>
-            <a:endParaRPr b="0" lang="en-US" sz="2800" spc="-1" strike="noStrike">
+            <a:endParaRPr lang="en-US" sz="2800" b="0" strike="noStrike" spc="-1">
               <a:solidFill>
                 <a:srgbClr val="000000"/>
               </a:solidFill>
@@ -259,6 +365,7 @@
         <p:spPr/>
         <p:txBody>
           <a:bodyPr/>
+          <a:lstStyle/>
           <a:p>
             <a:r>
               <a:t>Footer</a:t>
@@ -279,10 +386,12 @@
         <p:spPr/>
         <p:txBody>
           <a:bodyPr/>
+          <a:lstStyle/>
           <a:p>
             <a:fld id="{1AF16502-CB30-413A-ADDC-5F4A52F8179A}" type="slidenum">
-              <a:t>&lt;#&gt;</a:t>
+              <a:t>‹#›</a:t>
             </a:fld>
+            <a:endParaRPr/>
           </a:p>
         </p:txBody>
       </p:sp>
@@ -299,21 +408,22 @@
         <p:spPr/>
         <p:txBody>
           <a:bodyPr/>
-          <a:p>
-            <a:r>
-              <a:rPr lang="en-US"/>
-              <a:t/>
-            </a:r>
+          <a:lstStyle/>
+          <a:p>
+            <a:endParaRPr/>
           </a:p>
         </p:txBody>
       </p:sp>
     </p:spTree>
   </p:cSld>
+  <p:clrMapOvr>
+    <a:masterClrMapping/>
+  </p:clrMapOvr>
 </p:sldLayout>
 </file>
 
 <file path=ppt/slideLayouts/slideLayout11.xml><?xml version="1.0" encoding="utf-8"?>
-<p:sldLayout xmlns:a="http://schemas.openxmlformats.org/drawingml/2006/main" xmlns:p="http://schemas.openxmlformats.org/presentationml/2006/main" xmlns:r="http://schemas.openxmlformats.org/officeDocument/2006/relationships" xmlns:p14="http://schemas.microsoft.com/office/powerpoint/2010/main" xmlns:p15="http://schemas.microsoft.com/office/powerpoint/2012/main" xmlns:mc="http://schemas.openxmlformats.org/markup-compatibility/2006" type="fourObj" preserve="1">
+<p:sldLayout xmlns:a="http://schemas.openxmlformats.org/drawingml/2006/main" xmlns:r="http://schemas.openxmlformats.org/officeDocument/2006/relationships" xmlns:p="http://schemas.openxmlformats.org/presentationml/2006/main" type="fourObj" preserve="1">
   <p:cSld name="Title, 4 Content">
     <p:spTree>
       <p:nvGrpSpPr>
@@ -353,11 +463,12 @@
           </a:ln>
         </p:spPr>
         <p:txBody>
-          <a:bodyPr lIns="0" rIns="0" tIns="0" bIns="0" anchor="ctr">
+          <a:bodyPr lIns="0" tIns="0" rIns="0" bIns="0" anchor="ctr">
             <a:noAutofit/>
           </a:bodyPr>
-          <a:p>
-            <a:endParaRPr b="0" lang="en-US" sz="1800" spc="-1" strike="noStrike">
+          <a:lstStyle/>
+          <a:p>
+            <a:endParaRPr lang="en-US" sz="1800" b="0" strike="noStrike" spc="-1">
               <a:solidFill>
                 <a:srgbClr val="000000"/>
               </a:solidFill>
@@ -390,9 +501,10 @@
           </a:ln>
         </p:spPr>
         <p:txBody>
-          <a:bodyPr lIns="0" rIns="0" tIns="0" bIns="0" anchor="t">
+          <a:bodyPr lIns="0" tIns="0" rIns="0" bIns="0" anchor="t">
             <a:normAutofit/>
           </a:bodyPr>
+          <a:lstStyle/>
           <a:p>
             <a:pPr>
               <a:lnSpc>
@@ -403,7 +515,7 @@
               </a:spcBef>
               <a:buNone/>
             </a:pPr>
-            <a:endParaRPr b="0" lang="en-US" sz="2800" spc="-1" strike="noStrike">
+            <a:endParaRPr lang="en-US" sz="2800" b="0" strike="noStrike" spc="-1">
               <a:solidFill>
                 <a:srgbClr val="000000"/>
               </a:solidFill>
@@ -436,9 +548,10 @@
           </a:ln>
         </p:spPr>
         <p:txBody>
-          <a:bodyPr lIns="0" rIns="0" tIns="0" bIns="0" anchor="t">
+          <a:bodyPr lIns="0" tIns="0" rIns="0" bIns="0" anchor="t">
             <a:normAutofit/>
           </a:bodyPr>
+          <a:lstStyle/>
           <a:p>
             <a:pPr>
               <a:lnSpc>
@@ -449,7 +562,7 @@
               </a:spcBef>
               <a:buNone/>
             </a:pPr>
-            <a:endParaRPr b="0" lang="en-US" sz="2800" spc="-1" strike="noStrike">
+            <a:endParaRPr lang="en-US" sz="2800" b="0" strike="noStrike" spc="-1">
               <a:solidFill>
                 <a:srgbClr val="000000"/>
               </a:solidFill>
@@ -482,9 +595,10 @@
           </a:ln>
         </p:spPr>
         <p:txBody>
-          <a:bodyPr lIns="0" rIns="0" tIns="0" bIns="0" anchor="t">
+          <a:bodyPr lIns="0" tIns="0" rIns="0" bIns="0" anchor="t">
             <a:normAutofit/>
           </a:bodyPr>
+          <a:lstStyle/>
           <a:p>
             <a:pPr>
               <a:lnSpc>
@@ -495,7 +609,7 @@
               </a:spcBef>
               <a:buNone/>
             </a:pPr>
-            <a:endParaRPr b="0" lang="en-US" sz="2800" spc="-1" strike="noStrike">
+            <a:endParaRPr lang="en-US" sz="2800" b="0" strike="noStrike" spc="-1">
               <a:solidFill>
                 <a:srgbClr val="000000"/>
               </a:solidFill>
@@ -528,9 +642,10 @@
           </a:ln>
         </p:spPr>
         <p:txBody>
-          <a:bodyPr lIns="0" rIns="0" tIns="0" bIns="0" anchor="t">
+          <a:bodyPr lIns="0" tIns="0" rIns="0" bIns="0" anchor="t">
             <a:normAutofit/>
           </a:bodyPr>
+          <a:lstStyle/>
           <a:p>
             <a:pPr>
               <a:lnSpc>
@@ -541,7 +656,7 @@
               </a:spcBef>
               <a:buNone/>
             </a:pPr>
-            <a:endParaRPr b="0" lang="en-US" sz="2800" spc="-1" strike="noStrike">
+            <a:endParaRPr lang="en-US" sz="2800" b="0" strike="noStrike" spc="-1">
               <a:solidFill>
                 <a:srgbClr val="000000"/>
               </a:solidFill>
@@ -563,6 +678,7 @@
         <p:spPr/>
         <p:txBody>
           <a:bodyPr/>
+          <a:lstStyle/>
           <a:p>
             <a:r>
               <a:t>Footer</a:t>
@@ -583,10 +699,12 @@
         <p:spPr/>
         <p:txBody>
           <a:bodyPr/>
+          <a:lstStyle/>
           <a:p>
             <a:fld id="{BC979836-77D3-4BE7-A3B7-B55DA9222A74}" type="slidenum">
-              <a:t>&lt;#&gt;</a:t>
+              <a:t>‹#›</a:t>
             </a:fld>
+            <a:endParaRPr/>
           </a:p>
         </p:txBody>
       </p:sp>
@@ -603,21 +721,22 @@
         <p:spPr/>
         <p:txBody>
           <a:bodyPr/>
-          <a:p>
-            <a:r>
-              <a:rPr lang="en-US"/>
-              <a:t/>
-            </a:r>
+          <a:lstStyle/>
+          <a:p>
+            <a:endParaRPr/>
           </a:p>
         </p:txBody>
       </p:sp>
     </p:spTree>
   </p:cSld>
+  <p:clrMapOvr>
+    <a:masterClrMapping/>
+  </p:clrMapOvr>
 </p:sldLayout>
 </file>
 
 <file path=ppt/slideLayouts/slideLayout12.xml><?xml version="1.0" encoding="utf-8"?>
-<p:sldLayout xmlns:a="http://schemas.openxmlformats.org/drawingml/2006/main" xmlns:p="http://schemas.openxmlformats.org/presentationml/2006/main" xmlns:r="http://schemas.openxmlformats.org/officeDocument/2006/relationships" xmlns:p14="http://schemas.microsoft.com/office/powerpoint/2010/main" xmlns:p15="http://schemas.microsoft.com/office/powerpoint/2012/main" xmlns:mc="http://schemas.openxmlformats.org/markup-compatibility/2006" type="blank" preserve="1">
+<p:sldLayout xmlns:a="http://schemas.openxmlformats.org/drawingml/2006/main" xmlns:r="http://schemas.openxmlformats.org/officeDocument/2006/relationships" xmlns:p="http://schemas.openxmlformats.org/presentationml/2006/main" type="blank" preserve="1">
   <p:cSld name="Title, 6 Content">
     <p:spTree>
       <p:nvGrpSpPr>
@@ -657,11 +776,12 @@
           </a:ln>
         </p:spPr>
         <p:txBody>
-          <a:bodyPr lIns="0" rIns="0" tIns="0" bIns="0" anchor="ctr">
+          <a:bodyPr lIns="0" tIns="0" rIns="0" bIns="0" anchor="ctr">
             <a:noAutofit/>
           </a:bodyPr>
-          <a:p>
-            <a:endParaRPr b="0" lang="en-US" sz="1800" spc="-1" strike="noStrike">
+          <a:lstStyle/>
+          <a:p>
+            <a:endParaRPr lang="en-US" sz="1800" b="0" strike="noStrike" spc="-1">
               <a:solidFill>
                 <a:srgbClr val="000000"/>
               </a:solidFill>
@@ -694,9 +814,10 @@
           </a:ln>
         </p:spPr>
         <p:txBody>
-          <a:bodyPr lIns="0" rIns="0" tIns="0" bIns="0" anchor="t">
+          <a:bodyPr lIns="0" tIns="0" rIns="0" bIns="0" anchor="t">
             <a:normAutofit/>
           </a:bodyPr>
+          <a:lstStyle/>
           <a:p>
             <a:pPr>
               <a:lnSpc>
@@ -707,7 +828,7 @@
               </a:spcBef>
               <a:buNone/>
             </a:pPr>
-            <a:endParaRPr b="0" lang="en-US" sz="2800" spc="-1" strike="noStrike">
+            <a:endParaRPr lang="en-US" sz="2800" b="0" strike="noStrike" spc="-1">
               <a:solidFill>
                 <a:srgbClr val="000000"/>
               </a:solidFill>
@@ -740,9 +861,10 @@
           </a:ln>
         </p:spPr>
         <p:txBody>
-          <a:bodyPr lIns="0" rIns="0" tIns="0" bIns="0" anchor="t">
+          <a:bodyPr lIns="0" tIns="0" rIns="0" bIns="0" anchor="t">
             <a:normAutofit/>
           </a:bodyPr>
+          <a:lstStyle/>
           <a:p>
             <a:pPr>
               <a:lnSpc>
@@ -753,7 +875,7 @@
               </a:spcBef>
               <a:buNone/>
             </a:pPr>
-            <a:endParaRPr b="0" lang="en-US" sz="2800" spc="-1" strike="noStrike">
+            <a:endParaRPr lang="en-US" sz="2800" b="0" strike="noStrike" spc="-1">
               <a:solidFill>
                 <a:srgbClr val="000000"/>
               </a:solidFill>
@@ -786,9 +908,10 @@
           </a:ln>
         </p:spPr>
         <p:txBody>
-          <a:bodyPr lIns="0" rIns="0" tIns="0" bIns="0" anchor="t">
+          <a:bodyPr lIns="0" tIns="0" rIns="0" bIns="0" anchor="t">
             <a:normAutofit/>
           </a:bodyPr>
+          <a:lstStyle/>
           <a:p>
             <a:pPr>
               <a:lnSpc>
@@ -799,7 +922,7 @@
               </a:spcBef>
               <a:buNone/>
             </a:pPr>
-            <a:endParaRPr b="0" lang="en-US" sz="2800" spc="-1" strike="noStrike">
+            <a:endParaRPr lang="en-US" sz="2800" b="0" strike="noStrike" spc="-1">
               <a:solidFill>
                 <a:srgbClr val="000000"/>
               </a:solidFill>
@@ -832,9 +955,10 @@
           </a:ln>
         </p:spPr>
         <p:txBody>
-          <a:bodyPr lIns="0" rIns="0" tIns="0" bIns="0" anchor="t">
+          <a:bodyPr lIns="0" tIns="0" rIns="0" bIns="0" anchor="t">
             <a:normAutofit/>
           </a:bodyPr>
+          <a:lstStyle/>
           <a:p>
             <a:pPr>
               <a:lnSpc>
@@ -845,7 +969,7 @@
               </a:spcBef>
               <a:buNone/>
             </a:pPr>
-            <a:endParaRPr b="0" lang="en-US" sz="2800" spc="-1" strike="noStrike">
+            <a:endParaRPr lang="en-US" sz="2800" b="0" strike="noStrike" spc="-1">
               <a:solidFill>
                 <a:srgbClr val="000000"/>
               </a:solidFill>
@@ -878,9 +1002,10 @@
           </a:ln>
         </p:spPr>
         <p:txBody>
-          <a:bodyPr lIns="0" rIns="0" tIns="0" bIns="0" anchor="t">
+          <a:bodyPr lIns="0" tIns="0" rIns="0" bIns="0" anchor="t">
             <a:normAutofit/>
           </a:bodyPr>
+          <a:lstStyle/>
           <a:p>
             <a:pPr>
               <a:lnSpc>
@@ -891,7 +1016,7 @@
               </a:spcBef>
               <a:buNone/>
             </a:pPr>
-            <a:endParaRPr b="0" lang="en-US" sz="2800" spc="-1" strike="noStrike">
+            <a:endParaRPr lang="en-US" sz="2800" b="0" strike="noStrike" spc="-1">
               <a:solidFill>
                 <a:srgbClr val="000000"/>
               </a:solidFill>
@@ -924,9 +1049,10 @@
           </a:ln>
         </p:spPr>
         <p:txBody>
-          <a:bodyPr lIns="0" rIns="0" tIns="0" bIns="0" anchor="t">
+          <a:bodyPr lIns="0" tIns="0" rIns="0" bIns="0" anchor="t">
             <a:normAutofit/>
           </a:bodyPr>
+          <a:lstStyle/>
           <a:p>
             <a:pPr>
               <a:lnSpc>
@@ -937,7 +1063,7 @@
               </a:spcBef>
               <a:buNone/>
             </a:pPr>
-            <a:endParaRPr b="0" lang="en-US" sz="2800" spc="-1" strike="noStrike">
+            <a:endParaRPr lang="en-US" sz="2800" b="0" strike="noStrike" spc="-1">
               <a:solidFill>
                 <a:srgbClr val="000000"/>
               </a:solidFill>
@@ -959,6 +1085,7 @@
         <p:spPr/>
         <p:txBody>
           <a:bodyPr/>
+          <a:lstStyle/>
           <a:p>
             <a:r>
               <a:t>Footer</a:t>
@@ -979,10 +1106,12 @@
         <p:spPr/>
         <p:txBody>
           <a:bodyPr/>
+          <a:lstStyle/>
           <a:p>
             <a:fld id="{758F0C55-F50F-4AE3-A1BB-D6CD81EA0102}" type="slidenum">
-              <a:t>&lt;#&gt;</a:t>
+              <a:t>‹#›</a:t>
             </a:fld>
+            <a:endParaRPr/>
           </a:p>
         </p:txBody>
       </p:sp>
@@ -999,21 +1128,22 @@
         <p:spPr/>
         <p:txBody>
           <a:bodyPr/>
-          <a:p>
-            <a:r>
-              <a:rPr lang="en-US"/>
-              <a:t/>
-            </a:r>
+          <a:lstStyle/>
+          <a:p>
+            <a:endParaRPr/>
           </a:p>
         </p:txBody>
       </p:sp>
     </p:spTree>
   </p:cSld>
+  <p:clrMapOvr>
+    <a:masterClrMapping/>
+  </p:clrMapOvr>
 </p:sldLayout>
 </file>
 
 <file path=ppt/slideLayouts/slideLayout13.xml><?xml version="1.0" encoding="utf-8"?>
-<p:sldLayout xmlns:a="http://schemas.openxmlformats.org/drawingml/2006/main" xmlns:p="http://schemas.openxmlformats.org/presentationml/2006/main" xmlns:r="http://schemas.openxmlformats.org/officeDocument/2006/relationships" xmlns:p14="http://schemas.microsoft.com/office/powerpoint/2010/main" xmlns:p15="http://schemas.microsoft.com/office/powerpoint/2012/main" xmlns:mc="http://schemas.openxmlformats.org/markup-compatibility/2006" type="blank" preserve="1">
+<p:sldLayout xmlns:a="http://schemas.openxmlformats.org/drawingml/2006/main" xmlns:r="http://schemas.openxmlformats.org/officeDocument/2006/relationships" xmlns:p="http://schemas.openxmlformats.org/presentationml/2006/main" type="blank" preserve="1">
   <p:cSld name="Blank Slide">
     <p:spTree>
       <p:nvGrpSpPr>
@@ -1042,6 +1172,7 @@
         <p:spPr/>
         <p:txBody>
           <a:bodyPr/>
+          <a:lstStyle/>
           <a:p>
             <a:r>
               <a:t>Footer</a:t>
@@ -1062,10 +1193,12 @@
         <p:spPr/>
         <p:txBody>
           <a:bodyPr/>
+          <a:lstStyle/>
           <a:p>
             <a:fld id="{D1D3C352-D9E1-4A0F-8BC6-6B4D3821C144}" type="slidenum">
-              <a:t>&lt;#&gt;</a:t>
+              <a:t>‹#›</a:t>
             </a:fld>
+            <a:endParaRPr/>
           </a:p>
         </p:txBody>
       </p:sp>
@@ -1082,21 +1215,22 @@
         <p:spPr/>
         <p:txBody>
           <a:bodyPr/>
-          <a:p>
-            <a:r>
-              <a:rPr lang="en-US"/>
-              <a:t/>
-            </a:r>
+          <a:lstStyle/>
+          <a:p>
+            <a:endParaRPr/>
           </a:p>
         </p:txBody>
       </p:sp>
     </p:spTree>
   </p:cSld>
+  <p:clrMapOvr>
+    <a:masterClrMapping/>
+  </p:clrMapOvr>
 </p:sldLayout>
 </file>
 
 <file path=ppt/slideLayouts/slideLayout14.xml><?xml version="1.0" encoding="utf-8"?>
-<p:sldLayout xmlns:a="http://schemas.openxmlformats.org/drawingml/2006/main" xmlns:p="http://schemas.openxmlformats.org/presentationml/2006/main" xmlns:r="http://schemas.openxmlformats.org/officeDocument/2006/relationships" xmlns:p14="http://schemas.microsoft.com/office/powerpoint/2010/main" xmlns:p15="http://schemas.microsoft.com/office/powerpoint/2012/main" xmlns:mc="http://schemas.openxmlformats.org/markup-compatibility/2006" type="tx" preserve="1">
+<p:sldLayout xmlns:a="http://schemas.openxmlformats.org/drawingml/2006/main" xmlns:r="http://schemas.openxmlformats.org/officeDocument/2006/relationships" xmlns:p="http://schemas.openxmlformats.org/presentationml/2006/main" type="tx" preserve="1">
   <p:cSld name="Title Slide">
     <p:spTree>
       <p:nvGrpSpPr>
@@ -1136,11 +1270,12 @@
           </a:ln>
         </p:spPr>
         <p:txBody>
-          <a:bodyPr lIns="0" rIns="0" tIns="0" bIns="0" anchor="ctr">
+          <a:bodyPr lIns="0" tIns="0" rIns="0" bIns="0" anchor="ctr">
             <a:noAutofit/>
           </a:bodyPr>
-          <a:p>
-            <a:endParaRPr b="0" lang="en-US" sz="1800" spc="-1" strike="noStrike">
+          <a:lstStyle/>
+          <a:p>
+            <a:endParaRPr lang="en-US" sz="1800" b="0" strike="noStrike" spc="-1">
               <a:solidFill>
                 <a:srgbClr val="000000"/>
               </a:solidFill>
@@ -1173,14 +1308,15 @@
           </a:ln>
         </p:spPr>
         <p:txBody>
-          <a:bodyPr lIns="0" rIns="0" tIns="0" bIns="0" anchor="ctr">
+          <a:bodyPr lIns="0" tIns="0" rIns="0" bIns="0" anchor="ctr">
             <a:noAutofit/>
           </a:bodyPr>
+          <a:lstStyle/>
           <a:p>
             <a:pPr algn="ctr">
               <a:buNone/>
             </a:pPr>
-            <a:endParaRPr b="0" lang="en-US" sz="3200" spc="-1" strike="noStrike">
+            <a:endParaRPr lang="en-US" sz="3200" b="0" strike="noStrike" spc="-1">
               <a:latin typeface="Arial"/>
             </a:endParaRPr>
           </a:p>
@@ -1199,6 +1335,7 @@
         <p:spPr/>
         <p:txBody>
           <a:bodyPr/>
+          <a:lstStyle/>
           <a:p>
             <a:r>
               <a:t>Footer</a:t>
@@ -1219,10 +1356,12 @@
         <p:spPr/>
         <p:txBody>
           <a:bodyPr/>
+          <a:lstStyle/>
           <a:p>
             <a:fld id="{98036DBB-B1D7-437D-9394-CDC94F8CE94F}" type="slidenum">
-              <a:t>&lt;#&gt;</a:t>
+              <a:t>‹#›</a:t>
             </a:fld>
+            <a:endParaRPr/>
           </a:p>
         </p:txBody>
       </p:sp>
@@ -1239,21 +1378,22 @@
         <p:spPr/>
         <p:txBody>
           <a:bodyPr/>
-          <a:p>
-            <a:r>
-              <a:rPr lang="en-US"/>
-              <a:t/>
-            </a:r>
+          <a:lstStyle/>
+          <a:p>
+            <a:endParaRPr/>
           </a:p>
         </p:txBody>
       </p:sp>
     </p:spTree>
   </p:cSld>
+  <p:clrMapOvr>
+    <a:masterClrMapping/>
+  </p:clrMapOvr>
 </p:sldLayout>
 </file>
 
 <file path=ppt/slideLayouts/slideLayout15.xml><?xml version="1.0" encoding="utf-8"?>
-<p:sldLayout xmlns:a="http://schemas.openxmlformats.org/drawingml/2006/main" xmlns:p="http://schemas.openxmlformats.org/presentationml/2006/main" xmlns:r="http://schemas.openxmlformats.org/officeDocument/2006/relationships" xmlns:p14="http://schemas.microsoft.com/office/powerpoint/2010/main" xmlns:p15="http://schemas.microsoft.com/office/powerpoint/2012/main" xmlns:mc="http://schemas.openxmlformats.org/markup-compatibility/2006" type="obj" preserve="1">
+<p:sldLayout xmlns:a="http://schemas.openxmlformats.org/drawingml/2006/main" xmlns:r="http://schemas.openxmlformats.org/officeDocument/2006/relationships" xmlns:p="http://schemas.openxmlformats.org/presentationml/2006/main" type="obj" preserve="1">
   <p:cSld name="Title, Content">
     <p:spTree>
       <p:nvGrpSpPr>
@@ -1293,11 +1433,12 @@
           </a:ln>
         </p:spPr>
         <p:txBody>
-          <a:bodyPr lIns="0" rIns="0" tIns="0" bIns="0" anchor="ctr">
+          <a:bodyPr lIns="0" tIns="0" rIns="0" bIns="0" anchor="ctr">
             <a:noAutofit/>
           </a:bodyPr>
-          <a:p>
-            <a:endParaRPr b="0" lang="en-US" sz="1800" spc="-1" strike="noStrike">
+          <a:lstStyle/>
+          <a:p>
+            <a:endParaRPr lang="en-US" sz="1800" b="0" strike="noStrike" spc="-1">
               <a:solidFill>
                 <a:srgbClr val="000000"/>
               </a:solidFill>
@@ -1330,9 +1471,10 @@
           </a:ln>
         </p:spPr>
         <p:txBody>
-          <a:bodyPr lIns="0" rIns="0" tIns="0" bIns="0" anchor="t">
+          <a:bodyPr lIns="0" tIns="0" rIns="0" bIns="0" anchor="t">
             <a:normAutofit/>
           </a:bodyPr>
+          <a:lstStyle/>
           <a:p>
             <a:pPr>
               <a:lnSpc>
@@ -1343,7 +1485,7 @@
               </a:spcBef>
               <a:buNone/>
             </a:pPr>
-            <a:endParaRPr b="0" lang="en-US" sz="2800" spc="-1" strike="noStrike">
+            <a:endParaRPr lang="en-US" sz="2800" b="0" strike="noStrike" spc="-1">
               <a:solidFill>
                 <a:srgbClr val="000000"/>
               </a:solidFill>
@@ -1365,6 +1507,7 @@
         <p:spPr/>
         <p:txBody>
           <a:bodyPr/>
+          <a:lstStyle/>
           <a:p>
             <a:r>
               <a:t>Footer</a:t>
@@ -1385,10 +1528,12 @@
         <p:spPr/>
         <p:txBody>
           <a:bodyPr/>
+          <a:lstStyle/>
           <a:p>
             <a:fld id="{E3AB6742-2560-46CA-899D-55F5717D9D2C}" type="slidenum">
-              <a:t>&lt;#&gt;</a:t>
+              <a:t>‹#›</a:t>
             </a:fld>
+            <a:endParaRPr/>
           </a:p>
         </p:txBody>
       </p:sp>
@@ -1405,21 +1550,22 @@
         <p:spPr/>
         <p:txBody>
           <a:bodyPr/>
-          <a:p>
-            <a:r>
-              <a:rPr lang="en-US"/>
-              <a:t/>
-            </a:r>
+          <a:lstStyle/>
+          <a:p>
+            <a:endParaRPr/>
           </a:p>
         </p:txBody>
       </p:sp>
     </p:spTree>
   </p:cSld>
+  <p:clrMapOvr>
+    <a:masterClrMapping/>
+  </p:clrMapOvr>
 </p:sldLayout>
 </file>
 
 <file path=ppt/slideLayouts/slideLayout16.xml><?xml version="1.0" encoding="utf-8"?>
-<p:sldLayout xmlns:a="http://schemas.openxmlformats.org/drawingml/2006/main" xmlns:p="http://schemas.openxmlformats.org/presentationml/2006/main" xmlns:r="http://schemas.openxmlformats.org/officeDocument/2006/relationships" xmlns:p14="http://schemas.microsoft.com/office/powerpoint/2010/main" xmlns:p15="http://schemas.microsoft.com/office/powerpoint/2012/main" xmlns:mc="http://schemas.openxmlformats.org/markup-compatibility/2006" type="twoObj" preserve="1">
+<p:sldLayout xmlns:a="http://schemas.openxmlformats.org/drawingml/2006/main" xmlns:r="http://schemas.openxmlformats.org/officeDocument/2006/relationships" xmlns:p="http://schemas.openxmlformats.org/presentationml/2006/main" type="twoObj" preserve="1">
   <p:cSld name="Title, 2 Content">
     <p:spTree>
       <p:nvGrpSpPr>
@@ -1459,11 +1605,12 @@
           </a:ln>
         </p:spPr>
         <p:txBody>
-          <a:bodyPr lIns="0" rIns="0" tIns="0" bIns="0" anchor="ctr">
+          <a:bodyPr lIns="0" tIns="0" rIns="0" bIns="0" anchor="ctr">
             <a:noAutofit/>
           </a:bodyPr>
-          <a:p>
-            <a:endParaRPr b="0" lang="en-US" sz="1800" spc="-1" strike="noStrike">
+          <a:lstStyle/>
+          <a:p>
+            <a:endParaRPr lang="en-US" sz="1800" b="0" strike="noStrike" spc="-1">
               <a:solidFill>
                 <a:srgbClr val="000000"/>
               </a:solidFill>
@@ -1496,9 +1643,10 @@
           </a:ln>
         </p:spPr>
         <p:txBody>
-          <a:bodyPr lIns="0" rIns="0" tIns="0" bIns="0" anchor="t">
+          <a:bodyPr lIns="0" tIns="0" rIns="0" bIns="0" anchor="t">
             <a:normAutofit/>
           </a:bodyPr>
+          <a:lstStyle/>
           <a:p>
             <a:pPr>
               <a:lnSpc>
@@ -1509,7 +1657,7 @@
               </a:spcBef>
               <a:buNone/>
             </a:pPr>
-            <a:endParaRPr b="0" lang="en-US" sz="2800" spc="-1" strike="noStrike">
+            <a:endParaRPr lang="en-US" sz="2800" b="0" strike="noStrike" spc="-1">
               <a:solidFill>
                 <a:srgbClr val="000000"/>
               </a:solidFill>
@@ -1542,9 +1690,10 @@
           </a:ln>
         </p:spPr>
         <p:txBody>
-          <a:bodyPr lIns="0" rIns="0" tIns="0" bIns="0" anchor="t">
+          <a:bodyPr lIns="0" tIns="0" rIns="0" bIns="0" anchor="t">
             <a:normAutofit/>
           </a:bodyPr>
+          <a:lstStyle/>
           <a:p>
             <a:pPr>
               <a:lnSpc>
@@ -1555,7 +1704,7 @@
               </a:spcBef>
               <a:buNone/>
             </a:pPr>
-            <a:endParaRPr b="0" lang="en-US" sz="2800" spc="-1" strike="noStrike">
+            <a:endParaRPr lang="en-US" sz="2800" b="0" strike="noStrike" spc="-1">
               <a:solidFill>
                 <a:srgbClr val="000000"/>
               </a:solidFill>
@@ -1577,6 +1726,7 @@
         <p:spPr/>
         <p:txBody>
           <a:bodyPr/>
+          <a:lstStyle/>
           <a:p>
             <a:r>
               <a:t>Footer</a:t>
@@ -1597,10 +1747,12 @@
         <p:spPr/>
         <p:txBody>
           <a:bodyPr/>
+          <a:lstStyle/>
           <a:p>
             <a:fld id="{2A420293-49C7-497B-ABA3-6006E140A85B}" type="slidenum">
-              <a:t>&lt;#&gt;</a:t>
+              <a:t>‹#›</a:t>
             </a:fld>
+            <a:endParaRPr/>
           </a:p>
         </p:txBody>
       </p:sp>
@@ -1617,21 +1769,22 @@
         <p:spPr/>
         <p:txBody>
           <a:bodyPr/>
-          <a:p>
-            <a:r>
-              <a:rPr lang="en-US"/>
-              <a:t/>
-            </a:r>
+          <a:lstStyle/>
+          <a:p>
+            <a:endParaRPr/>
           </a:p>
         </p:txBody>
       </p:sp>
     </p:spTree>
   </p:cSld>
+  <p:clrMapOvr>
+    <a:masterClrMapping/>
+  </p:clrMapOvr>
 </p:sldLayout>
 </file>
 
 <file path=ppt/slideLayouts/slideLayout17.xml><?xml version="1.0" encoding="utf-8"?>
-<p:sldLayout xmlns:a="http://schemas.openxmlformats.org/drawingml/2006/main" xmlns:p="http://schemas.openxmlformats.org/presentationml/2006/main" xmlns:r="http://schemas.openxmlformats.org/officeDocument/2006/relationships" xmlns:p14="http://schemas.microsoft.com/office/powerpoint/2010/main" xmlns:p15="http://schemas.microsoft.com/office/powerpoint/2012/main" xmlns:mc="http://schemas.openxmlformats.org/markup-compatibility/2006" type="titleOnly" preserve="1">
+<p:sldLayout xmlns:a="http://schemas.openxmlformats.org/drawingml/2006/main" xmlns:r="http://schemas.openxmlformats.org/officeDocument/2006/relationships" xmlns:p="http://schemas.openxmlformats.org/presentationml/2006/main" type="titleOnly" preserve="1">
   <p:cSld name="Title Only">
     <p:spTree>
       <p:nvGrpSpPr>
@@ -1671,11 +1824,12 @@
           </a:ln>
         </p:spPr>
         <p:txBody>
-          <a:bodyPr lIns="0" rIns="0" tIns="0" bIns="0" anchor="ctr">
+          <a:bodyPr lIns="0" tIns="0" rIns="0" bIns="0" anchor="ctr">
             <a:noAutofit/>
           </a:bodyPr>
-          <a:p>
-            <a:endParaRPr b="0" lang="en-US" sz="1800" spc="-1" strike="noStrike">
+          <a:lstStyle/>
+          <a:p>
+            <a:endParaRPr lang="en-US" sz="1800" b="0" strike="noStrike" spc="-1">
               <a:solidFill>
                 <a:srgbClr val="000000"/>
               </a:solidFill>
@@ -1697,6 +1851,7 @@
         <p:spPr/>
         <p:txBody>
           <a:bodyPr/>
+          <a:lstStyle/>
           <a:p>
             <a:r>
               <a:t>Footer</a:t>
@@ -1717,10 +1872,12 @@
         <p:spPr/>
         <p:txBody>
           <a:bodyPr/>
+          <a:lstStyle/>
           <a:p>
             <a:fld id="{D7C0862B-C276-4D45-84CC-A2B8E8BAF066}" type="slidenum">
-              <a:t>&lt;#&gt;</a:t>
+              <a:t>‹#›</a:t>
             </a:fld>
+            <a:endParaRPr/>
           </a:p>
         </p:txBody>
       </p:sp>
@@ -1737,21 +1894,22 @@
         <p:spPr/>
         <p:txBody>
           <a:bodyPr/>
-          <a:p>
-            <a:r>
-              <a:rPr lang="en-US"/>
-              <a:t/>
-            </a:r>
+          <a:lstStyle/>
+          <a:p>
+            <a:endParaRPr/>
           </a:p>
         </p:txBody>
       </p:sp>
     </p:spTree>
   </p:cSld>
+  <p:clrMapOvr>
+    <a:masterClrMapping/>
+  </p:clrMapOvr>
 </p:sldLayout>
 </file>
 
 <file path=ppt/slideLayouts/slideLayout18.xml><?xml version="1.0" encoding="utf-8"?>
-<p:sldLayout xmlns:a="http://schemas.openxmlformats.org/drawingml/2006/main" xmlns:p="http://schemas.openxmlformats.org/presentationml/2006/main" xmlns:r="http://schemas.openxmlformats.org/officeDocument/2006/relationships" xmlns:p14="http://schemas.microsoft.com/office/powerpoint/2010/main" xmlns:p15="http://schemas.microsoft.com/office/powerpoint/2012/main" xmlns:mc="http://schemas.openxmlformats.org/markup-compatibility/2006" type="objOnly" preserve="1">
+<p:sldLayout xmlns:a="http://schemas.openxmlformats.org/drawingml/2006/main" xmlns:r="http://schemas.openxmlformats.org/officeDocument/2006/relationships" xmlns:p="http://schemas.openxmlformats.org/presentationml/2006/main" type="objOnly" preserve="1">
   <p:cSld name="Centered Text">
     <p:spTree>
       <p:nvGrpSpPr>
@@ -1791,14 +1949,15 @@
           </a:ln>
         </p:spPr>
         <p:txBody>
-          <a:bodyPr lIns="0" rIns="0" tIns="0" bIns="0" anchor="ctr">
+          <a:bodyPr lIns="0" tIns="0" rIns="0" bIns="0" anchor="ctr">
             <a:noAutofit/>
           </a:bodyPr>
+          <a:lstStyle/>
           <a:p>
             <a:pPr algn="ctr">
               <a:buNone/>
             </a:pPr>
-            <a:endParaRPr b="0" lang="en-US" sz="3200" spc="-1" strike="noStrike">
+            <a:endParaRPr lang="en-US" sz="3200" b="0" strike="noStrike" spc="-1">
               <a:latin typeface="Arial"/>
             </a:endParaRPr>
           </a:p>
@@ -1817,6 +1976,7 @@
         <p:spPr/>
         <p:txBody>
           <a:bodyPr/>
+          <a:lstStyle/>
           <a:p>
             <a:r>
               <a:t>Footer</a:t>
@@ -1837,10 +1997,12 @@
         <p:spPr/>
         <p:txBody>
           <a:bodyPr/>
+          <a:lstStyle/>
           <a:p>
             <a:fld id="{12BE7D41-BF92-476D-A11E-405E1FFE8968}" type="slidenum">
-              <a:t>&lt;#&gt;</a:t>
+              <a:t>‹#›</a:t>
             </a:fld>
+            <a:endParaRPr/>
           </a:p>
         </p:txBody>
       </p:sp>
@@ -1857,21 +2019,22 @@
         <p:spPr/>
         <p:txBody>
           <a:bodyPr/>
-          <a:p>
-            <a:r>
-              <a:rPr lang="en-US"/>
-              <a:t/>
-            </a:r>
+          <a:lstStyle/>
+          <a:p>
+            <a:endParaRPr/>
           </a:p>
         </p:txBody>
       </p:sp>
     </p:spTree>
   </p:cSld>
+  <p:clrMapOvr>
+    <a:masterClrMapping/>
+  </p:clrMapOvr>
 </p:sldLayout>
 </file>
 
 <file path=ppt/slideLayouts/slideLayout19.xml><?xml version="1.0" encoding="utf-8"?>
-<p:sldLayout xmlns:a="http://schemas.openxmlformats.org/drawingml/2006/main" xmlns:p="http://schemas.openxmlformats.org/presentationml/2006/main" xmlns:r="http://schemas.openxmlformats.org/officeDocument/2006/relationships" xmlns:p14="http://schemas.microsoft.com/office/powerpoint/2010/main" xmlns:p15="http://schemas.microsoft.com/office/powerpoint/2012/main" xmlns:mc="http://schemas.openxmlformats.org/markup-compatibility/2006" type="twoObjAndObj" preserve="1">
+<p:sldLayout xmlns:a="http://schemas.openxmlformats.org/drawingml/2006/main" xmlns:r="http://schemas.openxmlformats.org/officeDocument/2006/relationships" xmlns:p="http://schemas.openxmlformats.org/presentationml/2006/main" type="twoObjAndObj" preserve="1">
   <p:cSld name="Title, 2 Content and Content">
     <p:spTree>
       <p:nvGrpSpPr>
@@ -1911,11 +2074,12 @@
           </a:ln>
         </p:spPr>
         <p:txBody>
-          <a:bodyPr lIns="0" rIns="0" tIns="0" bIns="0" anchor="ctr">
+          <a:bodyPr lIns="0" tIns="0" rIns="0" bIns="0" anchor="ctr">
             <a:noAutofit/>
           </a:bodyPr>
-          <a:p>
-            <a:endParaRPr b="0" lang="en-US" sz="1800" spc="-1" strike="noStrike">
+          <a:lstStyle/>
+          <a:p>
+            <a:endParaRPr lang="en-US" sz="1800" b="0" strike="noStrike" spc="-1">
               <a:solidFill>
                 <a:srgbClr val="000000"/>
               </a:solidFill>
@@ -1948,9 +2112,10 @@
           </a:ln>
         </p:spPr>
         <p:txBody>
-          <a:bodyPr lIns="0" rIns="0" tIns="0" bIns="0" anchor="t">
+          <a:bodyPr lIns="0" tIns="0" rIns="0" bIns="0" anchor="t">
             <a:normAutofit/>
           </a:bodyPr>
+          <a:lstStyle/>
           <a:p>
             <a:pPr>
               <a:lnSpc>
@@ -1961,7 +2126,7 @@
               </a:spcBef>
               <a:buNone/>
             </a:pPr>
-            <a:endParaRPr b="0" lang="en-US" sz="2800" spc="-1" strike="noStrike">
+            <a:endParaRPr lang="en-US" sz="2800" b="0" strike="noStrike" spc="-1">
               <a:solidFill>
                 <a:srgbClr val="000000"/>
               </a:solidFill>
@@ -1994,9 +2159,10 @@
           </a:ln>
         </p:spPr>
         <p:txBody>
-          <a:bodyPr lIns="0" rIns="0" tIns="0" bIns="0" anchor="t">
+          <a:bodyPr lIns="0" tIns="0" rIns="0" bIns="0" anchor="t">
             <a:normAutofit/>
           </a:bodyPr>
+          <a:lstStyle/>
           <a:p>
             <a:pPr>
               <a:lnSpc>
@@ -2007,7 +2173,7 @@
               </a:spcBef>
               <a:buNone/>
             </a:pPr>
-            <a:endParaRPr b="0" lang="en-US" sz="2800" spc="-1" strike="noStrike">
+            <a:endParaRPr lang="en-US" sz="2800" b="0" strike="noStrike" spc="-1">
               <a:solidFill>
                 <a:srgbClr val="000000"/>
               </a:solidFill>
@@ -2040,9 +2206,10 @@
           </a:ln>
         </p:spPr>
         <p:txBody>
-          <a:bodyPr lIns="0" rIns="0" tIns="0" bIns="0" anchor="t">
+          <a:bodyPr lIns="0" tIns="0" rIns="0" bIns="0" anchor="t">
             <a:normAutofit/>
           </a:bodyPr>
+          <a:lstStyle/>
           <a:p>
             <a:pPr>
               <a:lnSpc>
@@ -2053,7 +2220,7 @@
               </a:spcBef>
               <a:buNone/>
             </a:pPr>
-            <a:endParaRPr b="0" lang="en-US" sz="2800" spc="-1" strike="noStrike">
+            <a:endParaRPr lang="en-US" sz="2800" b="0" strike="noStrike" spc="-1">
               <a:solidFill>
                 <a:srgbClr val="000000"/>
               </a:solidFill>
@@ -2075,6 +2242,7 @@
         <p:spPr/>
         <p:txBody>
           <a:bodyPr/>
+          <a:lstStyle/>
           <a:p>
             <a:r>
               <a:t>Footer</a:t>
@@ -2095,10 +2263,12 @@
         <p:spPr/>
         <p:txBody>
           <a:bodyPr/>
+          <a:lstStyle/>
           <a:p>
             <a:fld id="{E7091169-C7D0-4051-AC36-F1305AF58819}" type="slidenum">
-              <a:t>&lt;#&gt;</a:t>
+              <a:t>‹#›</a:t>
             </a:fld>
+            <a:endParaRPr/>
           </a:p>
         </p:txBody>
       </p:sp>
@@ -2115,21 +2285,22 @@
         <p:spPr/>
         <p:txBody>
           <a:bodyPr/>
-          <a:p>
-            <a:r>
-              <a:rPr lang="en-US"/>
-              <a:t/>
-            </a:r>
+          <a:lstStyle/>
+          <a:p>
+            <a:endParaRPr/>
           </a:p>
         </p:txBody>
       </p:sp>
     </p:spTree>
   </p:cSld>
+  <p:clrMapOvr>
+    <a:masterClrMapping/>
+  </p:clrMapOvr>
 </p:sldLayout>
 </file>
 
 <file path=ppt/slideLayouts/slideLayout2.xml><?xml version="1.0" encoding="utf-8"?>
-<p:sldLayout xmlns:a="http://schemas.openxmlformats.org/drawingml/2006/main" xmlns:p="http://schemas.openxmlformats.org/presentationml/2006/main" xmlns:r="http://schemas.openxmlformats.org/officeDocument/2006/relationships" xmlns:p14="http://schemas.microsoft.com/office/powerpoint/2010/main" xmlns:p15="http://schemas.microsoft.com/office/powerpoint/2012/main" xmlns:mc="http://schemas.openxmlformats.org/markup-compatibility/2006" type="tx" preserve="1">
+<p:sldLayout xmlns:a="http://schemas.openxmlformats.org/drawingml/2006/main" xmlns:r="http://schemas.openxmlformats.org/officeDocument/2006/relationships" xmlns:p="http://schemas.openxmlformats.org/presentationml/2006/main" type="tx" preserve="1">
   <p:cSld name="Title Slide">
     <p:spTree>
       <p:nvGrpSpPr>
@@ -2169,11 +2340,12 @@
           </a:ln>
         </p:spPr>
         <p:txBody>
-          <a:bodyPr lIns="0" rIns="0" tIns="0" bIns="0" anchor="ctr">
+          <a:bodyPr lIns="0" tIns="0" rIns="0" bIns="0" anchor="ctr">
             <a:noAutofit/>
           </a:bodyPr>
-          <a:p>
-            <a:endParaRPr b="0" lang="en-US" sz="1800" spc="-1" strike="noStrike">
+          <a:lstStyle/>
+          <a:p>
+            <a:endParaRPr lang="en-US" sz="1800" b="0" strike="noStrike" spc="-1">
               <a:solidFill>
                 <a:srgbClr val="000000"/>
               </a:solidFill>
@@ -2206,14 +2378,15 @@
           </a:ln>
         </p:spPr>
         <p:txBody>
-          <a:bodyPr lIns="0" rIns="0" tIns="0" bIns="0" anchor="ctr">
+          <a:bodyPr lIns="0" tIns="0" rIns="0" bIns="0" anchor="ctr">
             <a:noAutofit/>
           </a:bodyPr>
+          <a:lstStyle/>
           <a:p>
             <a:pPr algn="ctr">
               <a:buNone/>
             </a:pPr>
-            <a:endParaRPr b="0" lang="en-US" sz="3200" spc="-1" strike="noStrike">
+            <a:endParaRPr lang="en-US" sz="3200" b="0" strike="noStrike" spc="-1">
               <a:latin typeface="Arial"/>
             </a:endParaRPr>
           </a:p>
@@ -2232,6 +2405,7 @@
         <p:spPr/>
         <p:txBody>
           <a:bodyPr/>
+          <a:lstStyle/>
           <a:p>
             <a:r>
               <a:t>Footer</a:t>
@@ -2241,7 +2415,7 @@
       </p:sp>
       <p:sp>
         <p:nvSpPr>
-          <p:cNvPr id="5" name="PlaceHolder 4"/>
+          <p:cNvPr id="2" name="PlaceHolder 4"/>
           <p:cNvSpPr>
             <a:spLocks noGrp="1"/>
           </p:cNvSpPr>
@@ -2252,16 +2426,18 @@
         <p:spPr/>
         <p:txBody>
           <a:bodyPr/>
+          <a:lstStyle/>
           <a:p>
             <a:fld id="{9D406EB3-8793-4EC1-B0FF-FE37EFAE71D6}" type="slidenum">
-              <a:t>&lt;#&gt;</a:t>
+              <a:t>‹#›</a:t>
             </a:fld>
-          </a:p>
-        </p:txBody>
-      </p:sp>
-      <p:sp>
-        <p:nvSpPr>
-          <p:cNvPr id="6" name="PlaceHolder 5"/>
+            <a:endParaRPr/>
+          </a:p>
+        </p:txBody>
+      </p:sp>
+      <p:sp>
+        <p:nvSpPr>
+          <p:cNvPr id="3" name="PlaceHolder 5"/>
           <p:cNvSpPr>
             <a:spLocks noGrp="1"/>
           </p:cNvSpPr>
@@ -2272,21 +2448,22 @@
         <p:spPr/>
         <p:txBody>
           <a:bodyPr/>
-          <a:p>
-            <a:r>
-              <a:rPr lang="en-US"/>
-              <a:t/>
-            </a:r>
+          <a:lstStyle/>
+          <a:p>
+            <a:endParaRPr/>
           </a:p>
         </p:txBody>
       </p:sp>
     </p:spTree>
   </p:cSld>
+  <p:clrMapOvr>
+    <a:masterClrMapping/>
+  </p:clrMapOvr>
 </p:sldLayout>
 </file>
 
 <file path=ppt/slideLayouts/slideLayout20.xml><?xml version="1.0" encoding="utf-8"?>
-<p:sldLayout xmlns:a="http://schemas.openxmlformats.org/drawingml/2006/main" xmlns:p="http://schemas.openxmlformats.org/presentationml/2006/main" xmlns:r="http://schemas.openxmlformats.org/officeDocument/2006/relationships" xmlns:p14="http://schemas.microsoft.com/office/powerpoint/2010/main" xmlns:p15="http://schemas.microsoft.com/office/powerpoint/2012/main" xmlns:mc="http://schemas.openxmlformats.org/markup-compatibility/2006" type="objAndTwoObj" preserve="1">
+<p:sldLayout xmlns:a="http://schemas.openxmlformats.org/drawingml/2006/main" xmlns:r="http://schemas.openxmlformats.org/officeDocument/2006/relationships" xmlns:p="http://schemas.openxmlformats.org/presentationml/2006/main" type="objAndTwoObj" preserve="1">
   <p:cSld name="Title Content and 2 Content">
     <p:spTree>
       <p:nvGrpSpPr>
@@ -2326,11 +2503,12 @@
           </a:ln>
         </p:spPr>
         <p:txBody>
-          <a:bodyPr lIns="0" rIns="0" tIns="0" bIns="0" anchor="ctr">
+          <a:bodyPr lIns="0" tIns="0" rIns="0" bIns="0" anchor="ctr">
             <a:noAutofit/>
           </a:bodyPr>
-          <a:p>
-            <a:endParaRPr b="0" lang="en-US" sz="1800" spc="-1" strike="noStrike">
+          <a:lstStyle/>
+          <a:p>
+            <a:endParaRPr lang="en-US" sz="1800" b="0" strike="noStrike" spc="-1">
               <a:solidFill>
                 <a:srgbClr val="000000"/>
               </a:solidFill>
@@ -2363,9 +2541,10 @@
           </a:ln>
         </p:spPr>
         <p:txBody>
-          <a:bodyPr lIns="0" rIns="0" tIns="0" bIns="0" anchor="t">
+          <a:bodyPr lIns="0" tIns="0" rIns="0" bIns="0" anchor="t">
             <a:normAutofit/>
           </a:bodyPr>
+          <a:lstStyle/>
           <a:p>
             <a:pPr>
               <a:lnSpc>
@@ -2376,7 +2555,7 @@
               </a:spcBef>
               <a:buNone/>
             </a:pPr>
-            <a:endParaRPr b="0" lang="en-US" sz="2800" spc="-1" strike="noStrike">
+            <a:endParaRPr lang="en-US" sz="2800" b="0" strike="noStrike" spc="-1">
               <a:solidFill>
                 <a:srgbClr val="000000"/>
               </a:solidFill>
@@ -2409,9 +2588,10 @@
           </a:ln>
         </p:spPr>
         <p:txBody>
-          <a:bodyPr lIns="0" rIns="0" tIns="0" bIns="0" anchor="t">
+          <a:bodyPr lIns="0" tIns="0" rIns="0" bIns="0" anchor="t">
             <a:normAutofit/>
           </a:bodyPr>
+          <a:lstStyle/>
           <a:p>
             <a:pPr>
               <a:lnSpc>
@@ -2422,7 +2602,7 @@
               </a:spcBef>
               <a:buNone/>
             </a:pPr>
-            <a:endParaRPr b="0" lang="en-US" sz="2800" spc="-1" strike="noStrike">
+            <a:endParaRPr lang="en-US" sz="2800" b="0" strike="noStrike" spc="-1">
               <a:solidFill>
                 <a:srgbClr val="000000"/>
               </a:solidFill>
@@ -2455,9 +2635,10 @@
           </a:ln>
         </p:spPr>
         <p:txBody>
-          <a:bodyPr lIns="0" rIns="0" tIns="0" bIns="0" anchor="t">
+          <a:bodyPr lIns="0" tIns="0" rIns="0" bIns="0" anchor="t">
             <a:normAutofit/>
           </a:bodyPr>
+          <a:lstStyle/>
           <a:p>
             <a:pPr>
               <a:lnSpc>
@@ -2468,7 +2649,7 @@
               </a:spcBef>
               <a:buNone/>
             </a:pPr>
-            <a:endParaRPr b="0" lang="en-US" sz="2800" spc="-1" strike="noStrike">
+            <a:endParaRPr lang="en-US" sz="2800" b="0" strike="noStrike" spc="-1">
               <a:solidFill>
                 <a:srgbClr val="000000"/>
               </a:solidFill>
@@ -2490,6 +2671,7 @@
         <p:spPr/>
         <p:txBody>
           <a:bodyPr/>
+          <a:lstStyle/>
           <a:p>
             <a:r>
               <a:t>Footer</a:t>
@@ -2510,10 +2692,12 @@
         <p:spPr/>
         <p:txBody>
           <a:bodyPr/>
+          <a:lstStyle/>
           <a:p>
             <a:fld id="{DB8EC9CE-D88F-46A6-9A44-75A383C8C151}" type="slidenum">
-              <a:t>&lt;#&gt;</a:t>
+              <a:t>‹#›</a:t>
             </a:fld>
+            <a:endParaRPr/>
           </a:p>
         </p:txBody>
       </p:sp>
@@ -2530,21 +2714,22 @@
         <p:spPr/>
         <p:txBody>
           <a:bodyPr/>
-          <a:p>
-            <a:r>
-              <a:rPr lang="en-US"/>
-              <a:t/>
-            </a:r>
+          <a:lstStyle/>
+          <a:p>
+            <a:endParaRPr/>
           </a:p>
         </p:txBody>
       </p:sp>
     </p:spTree>
   </p:cSld>
+  <p:clrMapOvr>
+    <a:masterClrMapping/>
+  </p:clrMapOvr>
 </p:sldLayout>
 </file>
 
 <file path=ppt/slideLayouts/slideLayout21.xml><?xml version="1.0" encoding="utf-8"?>
-<p:sldLayout xmlns:a="http://schemas.openxmlformats.org/drawingml/2006/main" xmlns:p="http://schemas.openxmlformats.org/presentationml/2006/main" xmlns:r="http://schemas.openxmlformats.org/officeDocument/2006/relationships" xmlns:p14="http://schemas.microsoft.com/office/powerpoint/2010/main" xmlns:p15="http://schemas.microsoft.com/office/powerpoint/2012/main" xmlns:mc="http://schemas.openxmlformats.org/markup-compatibility/2006" type="twoObjOverTx" preserve="1">
+<p:sldLayout xmlns:a="http://schemas.openxmlformats.org/drawingml/2006/main" xmlns:r="http://schemas.openxmlformats.org/officeDocument/2006/relationships" xmlns:p="http://schemas.openxmlformats.org/presentationml/2006/main" type="twoObjOverTx" preserve="1">
   <p:cSld name="Title, 2 Content over Content">
     <p:spTree>
       <p:nvGrpSpPr>
@@ -2584,11 +2769,12 @@
           </a:ln>
         </p:spPr>
         <p:txBody>
-          <a:bodyPr lIns="0" rIns="0" tIns="0" bIns="0" anchor="ctr">
+          <a:bodyPr lIns="0" tIns="0" rIns="0" bIns="0" anchor="ctr">
             <a:noAutofit/>
           </a:bodyPr>
-          <a:p>
-            <a:endParaRPr b="0" lang="en-US" sz="1800" spc="-1" strike="noStrike">
+          <a:lstStyle/>
+          <a:p>
+            <a:endParaRPr lang="en-US" sz="1800" b="0" strike="noStrike" spc="-1">
               <a:solidFill>
                 <a:srgbClr val="000000"/>
               </a:solidFill>
@@ -2621,9 +2807,10 @@
           </a:ln>
         </p:spPr>
         <p:txBody>
-          <a:bodyPr lIns="0" rIns="0" tIns="0" bIns="0" anchor="t">
+          <a:bodyPr lIns="0" tIns="0" rIns="0" bIns="0" anchor="t">
             <a:normAutofit/>
           </a:bodyPr>
+          <a:lstStyle/>
           <a:p>
             <a:pPr>
               <a:lnSpc>
@@ -2634,7 +2821,7 @@
               </a:spcBef>
               <a:buNone/>
             </a:pPr>
-            <a:endParaRPr b="0" lang="en-US" sz="2800" spc="-1" strike="noStrike">
+            <a:endParaRPr lang="en-US" sz="2800" b="0" strike="noStrike" spc="-1">
               <a:solidFill>
                 <a:srgbClr val="000000"/>
               </a:solidFill>
@@ -2667,9 +2854,10 @@
           </a:ln>
         </p:spPr>
         <p:txBody>
-          <a:bodyPr lIns="0" rIns="0" tIns="0" bIns="0" anchor="t">
+          <a:bodyPr lIns="0" tIns="0" rIns="0" bIns="0" anchor="t">
             <a:normAutofit/>
           </a:bodyPr>
+          <a:lstStyle/>
           <a:p>
             <a:pPr>
               <a:lnSpc>
@@ -2680,7 +2868,7 @@
               </a:spcBef>
               <a:buNone/>
             </a:pPr>
-            <a:endParaRPr b="0" lang="en-US" sz="2800" spc="-1" strike="noStrike">
+            <a:endParaRPr lang="en-US" sz="2800" b="0" strike="noStrike" spc="-1">
               <a:solidFill>
                 <a:srgbClr val="000000"/>
               </a:solidFill>
@@ -2713,9 +2901,10 @@
           </a:ln>
         </p:spPr>
         <p:txBody>
-          <a:bodyPr lIns="0" rIns="0" tIns="0" bIns="0" anchor="t">
+          <a:bodyPr lIns="0" tIns="0" rIns="0" bIns="0" anchor="t">
             <a:normAutofit/>
           </a:bodyPr>
+          <a:lstStyle/>
           <a:p>
             <a:pPr>
               <a:lnSpc>
@@ -2726,7 +2915,7 @@
               </a:spcBef>
               <a:buNone/>
             </a:pPr>
-            <a:endParaRPr b="0" lang="en-US" sz="2800" spc="-1" strike="noStrike">
+            <a:endParaRPr lang="en-US" sz="2800" b="0" strike="noStrike" spc="-1">
               <a:solidFill>
                 <a:srgbClr val="000000"/>
               </a:solidFill>
@@ -2748,6 +2937,7 @@
         <p:spPr/>
         <p:txBody>
           <a:bodyPr/>
+          <a:lstStyle/>
           <a:p>
             <a:r>
               <a:t>Footer</a:t>
@@ -2768,10 +2958,12 @@
         <p:spPr/>
         <p:txBody>
           <a:bodyPr/>
+          <a:lstStyle/>
           <a:p>
             <a:fld id="{558122E6-E52A-4D22-A59F-83778FA678F9}" type="slidenum">
-              <a:t>&lt;#&gt;</a:t>
+              <a:t>‹#›</a:t>
             </a:fld>
+            <a:endParaRPr/>
           </a:p>
         </p:txBody>
       </p:sp>
@@ -2788,21 +2980,22 @@
         <p:spPr/>
         <p:txBody>
           <a:bodyPr/>
-          <a:p>
-            <a:r>
-              <a:rPr lang="en-US"/>
-              <a:t/>
-            </a:r>
+          <a:lstStyle/>
+          <a:p>
+            <a:endParaRPr/>
           </a:p>
         </p:txBody>
       </p:sp>
     </p:spTree>
   </p:cSld>
+  <p:clrMapOvr>
+    <a:masterClrMapping/>
+  </p:clrMapOvr>
 </p:sldLayout>
 </file>
 
 <file path=ppt/slideLayouts/slideLayout22.xml><?xml version="1.0" encoding="utf-8"?>
-<p:sldLayout xmlns:a="http://schemas.openxmlformats.org/drawingml/2006/main" xmlns:p="http://schemas.openxmlformats.org/presentationml/2006/main" xmlns:r="http://schemas.openxmlformats.org/officeDocument/2006/relationships" xmlns:p14="http://schemas.microsoft.com/office/powerpoint/2010/main" xmlns:p15="http://schemas.microsoft.com/office/powerpoint/2012/main" xmlns:mc="http://schemas.openxmlformats.org/markup-compatibility/2006" type="objOverTx" preserve="1">
+<p:sldLayout xmlns:a="http://schemas.openxmlformats.org/drawingml/2006/main" xmlns:r="http://schemas.openxmlformats.org/officeDocument/2006/relationships" xmlns:p="http://schemas.openxmlformats.org/presentationml/2006/main" type="objOverTx" preserve="1">
   <p:cSld name="Title, Content over Content">
     <p:spTree>
       <p:nvGrpSpPr>
@@ -2842,11 +3035,12 @@
           </a:ln>
         </p:spPr>
         <p:txBody>
-          <a:bodyPr lIns="0" rIns="0" tIns="0" bIns="0" anchor="ctr">
+          <a:bodyPr lIns="0" tIns="0" rIns="0" bIns="0" anchor="ctr">
             <a:noAutofit/>
           </a:bodyPr>
-          <a:p>
-            <a:endParaRPr b="0" lang="en-US" sz="1800" spc="-1" strike="noStrike">
+          <a:lstStyle/>
+          <a:p>
+            <a:endParaRPr lang="en-US" sz="1800" b="0" strike="noStrike" spc="-1">
               <a:solidFill>
                 <a:srgbClr val="000000"/>
               </a:solidFill>
@@ -2879,9 +3073,10 @@
           </a:ln>
         </p:spPr>
         <p:txBody>
-          <a:bodyPr lIns="0" rIns="0" tIns="0" bIns="0" anchor="t">
+          <a:bodyPr lIns="0" tIns="0" rIns="0" bIns="0" anchor="t">
             <a:normAutofit/>
           </a:bodyPr>
+          <a:lstStyle/>
           <a:p>
             <a:pPr>
               <a:lnSpc>
@@ -2892,7 +3087,7 @@
               </a:spcBef>
               <a:buNone/>
             </a:pPr>
-            <a:endParaRPr b="0" lang="en-US" sz="2800" spc="-1" strike="noStrike">
+            <a:endParaRPr lang="en-US" sz="2800" b="0" strike="noStrike" spc="-1">
               <a:solidFill>
                 <a:srgbClr val="000000"/>
               </a:solidFill>
@@ -2925,9 +3120,10 @@
           </a:ln>
         </p:spPr>
         <p:txBody>
-          <a:bodyPr lIns="0" rIns="0" tIns="0" bIns="0" anchor="t">
+          <a:bodyPr lIns="0" tIns="0" rIns="0" bIns="0" anchor="t">
             <a:normAutofit/>
           </a:bodyPr>
+          <a:lstStyle/>
           <a:p>
             <a:pPr>
               <a:lnSpc>
@@ -2938,7 +3134,7 @@
               </a:spcBef>
               <a:buNone/>
             </a:pPr>
-            <a:endParaRPr b="0" lang="en-US" sz="2800" spc="-1" strike="noStrike">
+            <a:endParaRPr lang="en-US" sz="2800" b="0" strike="noStrike" spc="-1">
               <a:solidFill>
                 <a:srgbClr val="000000"/>
               </a:solidFill>
@@ -2960,6 +3156,7 @@
         <p:spPr/>
         <p:txBody>
           <a:bodyPr/>
+          <a:lstStyle/>
           <a:p>
             <a:r>
               <a:t>Footer</a:t>
@@ -2980,10 +3177,12 @@
         <p:spPr/>
         <p:txBody>
           <a:bodyPr/>
+          <a:lstStyle/>
           <a:p>
             <a:fld id="{D8A5F351-A927-4A3A-8B5A-A59F4DDCA526}" type="slidenum">
-              <a:t>&lt;#&gt;</a:t>
+              <a:t>‹#›</a:t>
             </a:fld>
+            <a:endParaRPr/>
           </a:p>
         </p:txBody>
       </p:sp>
@@ -3000,21 +3199,22 @@
         <p:spPr/>
         <p:txBody>
           <a:bodyPr/>
-          <a:p>
-            <a:r>
-              <a:rPr lang="en-US"/>
-              <a:t/>
-            </a:r>
+          <a:lstStyle/>
+          <a:p>
+            <a:endParaRPr/>
           </a:p>
         </p:txBody>
       </p:sp>
     </p:spTree>
   </p:cSld>
+  <p:clrMapOvr>
+    <a:masterClrMapping/>
+  </p:clrMapOvr>
 </p:sldLayout>
 </file>
 
 <file path=ppt/slideLayouts/slideLayout23.xml><?xml version="1.0" encoding="utf-8"?>
-<p:sldLayout xmlns:a="http://schemas.openxmlformats.org/drawingml/2006/main" xmlns:p="http://schemas.openxmlformats.org/presentationml/2006/main" xmlns:r="http://schemas.openxmlformats.org/officeDocument/2006/relationships" xmlns:p14="http://schemas.microsoft.com/office/powerpoint/2010/main" xmlns:p15="http://schemas.microsoft.com/office/powerpoint/2012/main" xmlns:mc="http://schemas.openxmlformats.org/markup-compatibility/2006" type="fourObj" preserve="1">
+<p:sldLayout xmlns:a="http://schemas.openxmlformats.org/drawingml/2006/main" xmlns:r="http://schemas.openxmlformats.org/officeDocument/2006/relationships" xmlns:p="http://schemas.openxmlformats.org/presentationml/2006/main" type="fourObj" preserve="1">
   <p:cSld name="Title, 4 Content">
     <p:spTree>
       <p:nvGrpSpPr>
@@ -3054,11 +3254,12 @@
           </a:ln>
         </p:spPr>
         <p:txBody>
-          <a:bodyPr lIns="0" rIns="0" tIns="0" bIns="0" anchor="ctr">
+          <a:bodyPr lIns="0" tIns="0" rIns="0" bIns="0" anchor="ctr">
             <a:noAutofit/>
           </a:bodyPr>
-          <a:p>
-            <a:endParaRPr b="0" lang="en-US" sz="1800" spc="-1" strike="noStrike">
+          <a:lstStyle/>
+          <a:p>
+            <a:endParaRPr lang="en-US" sz="1800" b="0" strike="noStrike" spc="-1">
               <a:solidFill>
                 <a:srgbClr val="000000"/>
               </a:solidFill>
@@ -3091,9 +3292,10 @@
           </a:ln>
         </p:spPr>
         <p:txBody>
-          <a:bodyPr lIns="0" rIns="0" tIns="0" bIns="0" anchor="t">
+          <a:bodyPr lIns="0" tIns="0" rIns="0" bIns="0" anchor="t">
             <a:normAutofit/>
           </a:bodyPr>
+          <a:lstStyle/>
           <a:p>
             <a:pPr>
               <a:lnSpc>
@@ -3104,7 +3306,7 @@
               </a:spcBef>
               <a:buNone/>
             </a:pPr>
-            <a:endParaRPr b="0" lang="en-US" sz="2800" spc="-1" strike="noStrike">
+            <a:endParaRPr lang="en-US" sz="2800" b="0" strike="noStrike" spc="-1">
               <a:solidFill>
                 <a:srgbClr val="000000"/>
               </a:solidFill>
@@ -3137,9 +3339,10 @@
           </a:ln>
         </p:spPr>
         <p:txBody>
-          <a:bodyPr lIns="0" rIns="0" tIns="0" bIns="0" anchor="t">
+          <a:bodyPr lIns="0" tIns="0" rIns="0" bIns="0" anchor="t">
             <a:normAutofit/>
           </a:bodyPr>
+          <a:lstStyle/>
           <a:p>
             <a:pPr>
               <a:lnSpc>
@@ -3150,7 +3353,7 @@
               </a:spcBef>
               <a:buNone/>
             </a:pPr>
-            <a:endParaRPr b="0" lang="en-US" sz="2800" spc="-1" strike="noStrike">
+            <a:endParaRPr lang="en-US" sz="2800" b="0" strike="noStrike" spc="-1">
               <a:solidFill>
                 <a:srgbClr val="000000"/>
               </a:solidFill>
@@ -3183,9 +3386,10 @@
           </a:ln>
         </p:spPr>
         <p:txBody>
-          <a:bodyPr lIns="0" rIns="0" tIns="0" bIns="0" anchor="t">
+          <a:bodyPr lIns="0" tIns="0" rIns="0" bIns="0" anchor="t">
             <a:normAutofit/>
           </a:bodyPr>
+          <a:lstStyle/>
           <a:p>
             <a:pPr>
               <a:lnSpc>
@@ -3196,7 +3400,7 @@
               </a:spcBef>
               <a:buNone/>
             </a:pPr>
-            <a:endParaRPr b="0" lang="en-US" sz="2800" spc="-1" strike="noStrike">
+            <a:endParaRPr lang="en-US" sz="2800" b="0" strike="noStrike" spc="-1">
               <a:solidFill>
                 <a:srgbClr val="000000"/>
               </a:solidFill>
@@ -3229,9 +3433,10 @@
           </a:ln>
         </p:spPr>
         <p:txBody>
-          <a:bodyPr lIns="0" rIns="0" tIns="0" bIns="0" anchor="t">
+          <a:bodyPr lIns="0" tIns="0" rIns="0" bIns="0" anchor="t">
             <a:normAutofit/>
           </a:bodyPr>
+          <a:lstStyle/>
           <a:p>
             <a:pPr>
               <a:lnSpc>
@@ -3242,7 +3447,7 @@
               </a:spcBef>
               <a:buNone/>
             </a:pPr>
-            <a:endParaRPr b="0" lang="en-US" sz="2800" spc="-1" strike="noStrike">
+            <a:endParaRPr lang="en-US" sz="2800" b="0" strike="noStrike" spc="-1">
               <a:solidFill>
                 <a:srgbClr val="000000"/>
               </a:solidFill>
@@ -3264,6 +3469,7 @@
         <p:spPr/>
         <p:txBody>
           <a:bodyPr/>
+          <a:lstStyle/>
           <a:p>
             <a:r>
               <a:t>Footer</a:t>
@@ -3284,10 +3490,12 @@
         <p:spPr/>
         <p:txBody>
           <a:bodyPr/>
+          <a:lstStyle/>
           <a:p>
             <a:fld id="{92494C2B-E1F3-4E83-8AC8-0239466CD49E}" type="slidenum">
-              <a:t>&lt;#&gt;</a:t>
+              <a:t>‹#›</a:t>
             </a:fld>
+            <a:endParaRPr/>
           </a:p>
         </p:txBody>
       </p:sp>
@@ -3304,21 +3512,22 @@
         <p:spPr/>
         <p:txBody>
           <a:bodyPr/>
-          <a:p>
-            <a:r>
-              <a:rPr lang="en-US"/>
-              <a:t/>
-            </a:r>
+          <a:lstStyle/>
+          <a:p>
+            <a:endParaRPr/>
           </a:p>
         </p:txBody>
       </p:sp>
     </p:spTree>
   </p:cSld>
+  <p:clrMapOvr>
+    <a:masterClrMapping/>
+  </p:clrMapOvr>
 </p:sldLayout>
 </file>
 
 <file path=ppt/slideLayouts/slideLayout24.xml><?xml version="1.0" encoding="utf-8"?>
-<p:sldLayout xmlns:a="http://schemas.openxmlformats.org/drawingml/2006/main" xmlns:p="http://schemas.openxmlformats.org/presentationml/2006/main" xmlns:r="http://schemas.openxmlformats.org/officeDocument/2006/relationships" xmlns:p14="http://schemas.microsoft.com/office/powerpoint/2010/main" xmlns:p15="http://schemas.microsoft.com/office/powerpoint/2012/main" xmlns:mc="http://schemas.openxmlformats.org/markup-compatibility/2006" type="blank" preserve="1">
+<p:sldLayout xmlns:a="http://schemas.openxmlformats.org/drawingml/2006/main" xmlns:r="http://schemas.openxmlformats.org/officeDocument/2006/relationships" xmlns:p="http://schemas.openxmlformats.org/presentationml/2006/main" type="blank" preserve="1">
   <p:cSld name="Title, 6 Content">
     <p:spTree>
       <p:nvGrpSpPr>
@@ -3358,11 +3567,12 @@
           </a:ln>
         </p:spPr>
         <p:txBody>
-          <a:bodyPr lIns="0" rIns="0" tIns="0" bIns="0" anchor="ctr">
+          <a:bodyPr lIns="0" tIns="0" rIns="0" bIns="0" anchor="ctr">
             <a:noAutofit/>
           </a:bodyPr>
-          <a:p>
-            <a:endParaRPr b="0" lang="en-US" sz="1800" spc="-1" strike="noStrike">
+          <a:lstStyle/>
+          <a:p>
+            <a:endParaRPr lang="en-US" sz="1800" b="0" strike="noStrike" spc="-1">
               <a:solidFill>
                 <a:srgbClr val="000000"/>
               </a:solidFill>
@@ -3395,9 +3605,10 @@
           </a:ln>
         </p:spPr>
         <p:txBody>
-          <a:bodyPr lIns="0" rIns="0" tIns="0" bIns="0" anchor="t">
+          <a:bodyPr lIns="0" tIns="0" rIns="0" bIns="0" anchor="t">
             <a:normAutofit/>
           </a:bodyPr>
+          <a:lstStyle/>
           <a:p>
             <a:pPr>
               <a:lnSpc>
@@ -3408,7 +3619,7 @@
               </a:spcBef>
               <a:buNone/>
             </a:pPr>
-            <a:endParaRPr b="0" lang="en-US" sz="2800" spc="-1" strike="noStrike">
+            <a:endParaRPr lang="en-US" sz="2800" b="0" strike="noStrike" spc="-1">
               <a:solidFill>
                 <a:srgbClr val="000000"/>
               </a:solidFill>
@@ -3441,9 +3652,10 @@
           </a:ln>
         </p:spPr>
         <p:txBody>
-          <a:bodyPr lIns="0" rIns="0" tIns="0" bIns="0" anchor="t">
+          <a:bodyPr lIns="0" tIns="0" rIns="0" bIns="0" anchor="t">
             <a:normAutofit/>
           </a:bodyPr>
+          <a:lstStyle/>
           <a:p>
             <a:pPr>
               <a:lnSpc>
@@ -3454,7 +3666,7 @@
               </a:spcBef>
               <a:buNone/>
             </a:pPr>
-            <a:endParaRPr b="0" lang="en-US" sz="2800" spc="-1" strike="noStrike">
+            <a:endParaRPr lang="en-US" sz="2800" b="0" strike="noStrike" spc="-1">
               <a:solidFill>
                 <a:srgbClr val="000000"/>
               </a:solidFill>
@@ -3487,9 +3699,10 @@
           </a:ln>
         </p:spPr>
         <p:txBody>
-          <a:bodyPr lIns="0" rIns="0" tIns="0" bIns="0" anchor="t">
+          <a:bodyPr lIns="0" tIns="0" rIns="0" bIns="0" anchor="t">
             <a:normAutofit/>
           </a:bodyPr>
+          <a:lstStyle/>
           <a:p>
             <a:pPr>
               <a:lnSpc>
@@ -3500,7 +3713,7 @@
               </a:spcBef>
               <a:buNone/>
             </a:pPr>
-            <a:endParaRPr b="0" lang="en-US" sz="2800" spc="-1" strike="noStrike">
+            <a:endParaRPr lang="en-US" sz="2800" b="0" strike="noStrike" spc="-1">
               <a:solidFill>
                 <a:srgbClr val="000000"/>
               </a:solidFill>
@@ -3533,9 +3746,10 @@
           </a:ln>
         </p:spPr>
         <p:txBody>
-          <a:bodyPr lIns="0" rIns="0" tIns="0" bIns="0" anchor="t">
+          <a:bodyPr lIns="0" tIns="0" rIns="0" bIns="0" anchor="t">
             <a:normAutofit/>
           </a:bodyPr>
+          <a:lstStyle/>
           <a:p>
             <a:pPr>
               <a:lnSpc>
@@ -3546,7 +3760,7 @@
               </a:spcBef>
               <a:buNone/>
             </a:pPr>
-            <a:endParaRPr b="0" lang="en-US" sz="2800" spc="-1" strike="noStrike">
+            <a:endParaRPr lang="en-US" sz="2800" b="0" strike="noStrike" spc="-1">
               <a:solidFill>
                 <a:srgbClr val="000000"/>
               </a:solidFill>
@@ -3579,9 +3793,10 @@
           </a:ln>
         </p:spPr>
         <p:txBody>
-          <a:bodyPr lIns="0" rIns="0" tIns="0" bIns="0" anchor="t">
+          <a:bodyPr lIns="0" tIns="0" rIns="0" bIns="0" anchor="t">
             <a:normAutofit/>
           </a:bodyPr>
+          <a:lstStyle/>
           <a:p>
             <a:pPr>
               <a:lnSpc>
@@ -3592,7 +3807,7 @@
               </a:spcBef>
               <a:buNone/>
             </a:pPr>
-            <a:endParaRPr b="0" lang="en-US" sz="2800" spc="-1" strike="noStrike">
+            <a:endParaRPr lang="en-US" sz="2800" b="0" strike="noStrike" spc="-1">
               <a:solidFill>
                 <a:srgbClr val="000000"/>
               </a:solidFill>
@@ -3625,9 +3840,10 @@
           </a:ln>
         </p:spPr>
         <p:txBody>
-          <a:bodyPr lIns="0" rIns="0" tIns="0" bIns="0" anchor="t">
+          <a:bodyPr lIns="0" tIns="0" rIns="0" bIns="0" anchor="t">
             <a:normAutofit/>
           </a:bodyPr>
+          <a:lstStyle/>
           <a:p>
             <a:pPr>
               <a:lnSpc>
@@ -3638,7 +3854,7 @@
               </a:spcBef>
               <a:buNone/>
             </a:pPr>
-            <a:endParaRPr b="0" lang="en-US" sz="2800" spc="-1" strike="noStrike">
+            <a:endParaRPr lang="en-US" sz="2800" b="0" strike="noStrike" spc="-1">
               <a:solidFill>
                 <a:srgbClr val="000000"/>
               </a:solidFill>
@@ -3660,6 +3876,7 @@
         <p:spPr/>
         <p:txBody>
           <a:bodyPr/>
+          <a:lstStyle/>
           <a:p>
             <a:r>
               <a:t>Footer</a:t>
@@ -3680,10 +3897,12 @@
         <p:spPr/>
         <p:txBody>
           <a:bodyPr/>
+          <a:lstStyle/>
           <a:p>
             <a:fld id="{9AD79609-0849-4BAE-9EA3-B490CB00484F}" type="slidenum">
-              <a:t>&lt;#&gt;</a:t>
+              <a:t>‹#›</a:t>
             </a:fld>
+            <a:endParaRPr/>
           </a:p>
         </p:txBody>
       </p:sp>
@@ -3700,21 +3919,22 @@
         <p:spPr/>
         <p:txBody>
           <a:bodyPr/>
-          <a:p>
-            <a:r>
-              <a:rPr lang="en-US"/>
-              <a:t/>
-            </a:r>
+          <a:lstStyle/>
+          <a:p>
+            <a:endParaRPr/>
           </a:p>
         </p:txBody>
       </p:sp>
     </p:spTree>
   </p:cSld>
+  <p:clrMapOvr>
+    <a:masterClrMapping/>
+  </p:clrMapOvr>
 </p:sldLayout>
 </file>
 
 <file path=ppt/slideLayouts/slideLayout3.xml><?xml version="1.0" encoding="utf-8"?>
-<p:sldLayout xmlns:a="http://schemas.openxmlformats.org/drawingml/2006/main" xmlns:p="http://schemas.openxmlformats.org/presentationml/2006/main" xmlns:r="http://schemas.openxmlformats.org/officeDocument/2006/relationships" xmlns:p14="http://schemas.microsoft.com/office/powerpoint/2010/main" xmlns:p15="http://schemas.microsoft.com/office/powerpoint/2012/main" xmlns:mc="http://schemas.openxmlformats.org/markup-compatibility/2006" type="obj" preserve="1">
+<p:sldLayout xmlns:a="http://schemas.openxmlformats.org/drawingml/2006/main" xmlns:r="http://schemas.openxmlformats.org/officeDocument/2006/relationships" xmlns:p="http://schemas.openxmlformats.org/presentationml/2006/main" type="obj" preserve="1">
   <p:cSld name="Title, Content">
     <p:spTree>
       <p:nvGrpSpPr>
@@ -3754,11 +3974,12 @@
           </a:ln>
         </p:spPr>
         <p:txBody>
-          <a:bodyPr lIns="0" rIns="0" tIns="0" bIns="0" anchor="ctr">
+          <a:bodyPr lIns="0" tIns="0" rIns="0" bIns="0" anchor="ctr">
             <a:noAutofit/>
           </a:bodyPr>
-          <a:p>
-            <a:endParaRPr b="0" lang="en-US" sz="1800" spc="-1" strike="noStrike">
+          <a:lstStyle/>
+          <a:p>
+            <a:endParaRPr lang="en-US" sz="1800" b="0" strike="noStrike" spc="-1">
               <a:solidFill>
                 <a:srgbClr val="000000"/>
               </a:solidFill>
@@ -3791,9 +4012,10 @@
           </a:ln>
         </p:spPr>
         <p:txBody>
-          <a:bodyPr lIns="0" rIns="0" tIns="0" bIns="0" anchor="t">
+          <a:bodyPr lIns="0" tIns="0" rIns="0" bIns="0" anchor="t">
             <a:normAutofit/>
           </a:bodyPr>
+          <a:lstStyle/>
           <a:p>
             <a:pPr>
               <a:lnSpc>
@@ -3804,7 +4026,7 @@
               </a:spcBef>
               <a:buNone/>
             </a:pPr>
-            <a:endParaRPr b="0" lang="en-US" sz="2800" spc="-1" strike="noStrike">
+            <a:endParaRPr lang="en-US" sz="2800" b="0" strike="noStrike" spc="-1">
               <a:solidFill>
                 <a:srgbClr val="000000"/>
               </a:solidFill>
@@ -3826,6 +4048,7 @@
         <p:spPr/>
         <p:txBody>
           <a:bodyPr/>
+          <a:lstStyle/>
           <a:p>
             <a:r>
               <a:t>Footer</a:t>
@@ -3846,10 +4069,12 @@
         <p:spPr/>
         <p:txBody>
           <a:bodyPr/>
+          <a:lstStyle/>
           <a:p>
             <a:fld id="{F0A0A545-B198-46F5-AF8F-B1FCFD79D7F1}" type="slidenum">
-              <a:t>&lt;#&gt;</a:t>
+              <a:t>‹#›</a:t>
             </a:fld>
+            <a:endParaRPr/>
           </a:p>
         </p:txBody>
       </p:sp>
@@ -3866,21 +4091,22 @@
         <p:spPr/>
         <p:txBody>
           <a:bodyPr/>
-          <a:p>
-            <a:r>
-              <a:rPr lang="en-US"/>
-              <a:t/>
-            </a:r>
+          <a:lstStyle/>
+          <a:p>
+            <a:endParaRPr/>
           </a:p>
         </p:txBody>
       </p:sp>
     </p:spTree>
   </p:cSld>
+  <p:clrMapOvr>
+    <a:masterClrMapping/>
+  </p:clrMapOvr>
 </p:sldLayout>
 </file>
 
 <file path=ppt/slideLayouts/slideLayout4.xml><?xml version="1.0" encoding="utf-8"?>
-<p:sldLayout xmlns:a="http://schemas.openxmlformats.org/drawingml/2006/main" xmlns:p="http://schemas.openxmlformats.org/presentationml/2006/main" xmlns:r="http://schemas.openxmlformats.org/officeDocument/2006/relationships" xmlns:p14="http://schemas.microsoft.com/office/powerpoint/2010/main" xmlns:p15="http://schemas.microsoft.com/office/powerpoint/2012/main" xmlns:mc="http://schemas.openxmlformats.org/markup-compatibility/2006" type="twoObj" preserve="1">
+<p:sldLayout xmlns:a="http://schemas.openxmlformats.org/drawingml/2006/main" xmlns:r="http://schemas.openxmlformats.org/officeDocument/2006/relationships" xmlns:p="http://schemas.openxmlformats.org/presentationml/2006/main" type="twoObj" preserve="1">
   <p:cSld name="Title, 2 Content">
     <p:spTree>
       <p:nvGrpSpPr>
@@ -3920,11 +4146,12 @@
           </a:ln>
         </p:spPr>
         <p:txBody>
-          <a:bodyPr lIns="0" rIns="0" tIns="0" bIns="0" anchor="ctr">
+          <a:bodyPr lIns="0" tIns="0" rIns="0" bIns="0" anchor="ctr">
             <a:noAutofit/>
           </a:bodyPr>
-          <a:p>
-            <a:endParaRPr b="0" lang="en-US" sz="1800" spc="-1" strike="noStrike">
+          <a:lstStyle/>
+          <a:p>
+            <a:endParaRPr lang="en-US" sz="1800" b="0" strike="noStrike" spc="-1">
               <a:solidFill>
                 <a:srgbClr val="000000"/>
               </a:solidFill>
@@ -3957,9 +4184,10 @@
           </a:ln>
         </p:spPr>
         <p:txBody>
-          <a:bodyPr lIns="0" rIns="0" tIns="0" bIns="0" anchor="t">
+          <a:bodyPr lIns="0" tIns="0" rIns="0" bIns="0" anchor="t">
             <a:normAutofit/>
           </a:bodyPr>
+          <a:lstStyle/>
           <a:p>
             <a:pPr>
               <a:lnSpc>
@@ -3970,7 +4198,7 @@
               </a:spcBef>
               <a:buNone/>
             </a:pPr>
-            <a:endParaRPr b="0" lang="en-US" sz="2800" spc="-1" strike="noStrike">
+            <a:endParaRPr lang="en-US" sz="2800" b="0" strike="noStrike" spc="-1">
               <a:solidFill>
                 <a:srgbClr val="000000"/>
               </a:solidFill>
@@ -4003,9 +4231,10 @@
           </a:ln>
         </p:spPr>
         <p:txBody>
-          <a:bodyPr lIns="0" rIns="0" tIns="0" bIns="0" anchor="t">
+          <a:bodyPr lIns="0" tIns="0" rIns="0" bIns="0" anchor="t">
             <a:normAutofit/>
           </a:bodyPr>
+          <a:lstStyle/>
           <a:p>
             <a:pPr>
               <a:lnSpc>
@@ -4016,7 +4245,7 @@
               </a:spcBef>
               <a:buNone/>
             </a:pPr>
-            <a:endParaRPr b="0" lang="en-US" sz="2800" spc="-1" strike="noStrike">
+            <a:endParaRPr lang="en-US" sz="2800" b="0" strike="noStrike" spc="-1">
               <a:solidFill>
                 <a:srgbClr val="000000"/>
               </a:solidFill>
@@ -4038,6 +4267,7 @@
         <p:spPr/>
         <p:txBody>
           <a:bodyPr/>
+          <a:lstStyle/>
           <a:p>
             <a:r>
               <a:t>Footer</a:t>
@@ -4058,10 +4288,12 @@
         <p:spPr/>
         <p:txBody>
           <a:bodyPr/>
+          <a:lstStyle/>
           <a:p>
             <a:fld id="{C90958E7-702F-49C9-B44D-2C1C52FEF55E}" type="slidenum">
-              <a:t>&lt;#&gt;</a:t>
+              <a:t>‹#›</a:t>
             </a:fld>
+            <a:endParaRPr/>
           </a:p>
         </p:txBody>
       </p:sp>
@@ -4078,21 +4310,22 @@
         <p:spPr/>
         <p:txBody>
           <a:bodyPr/>
-          <a:p>
-            <a:r>
-              <a:rPr lang="en-US"/>
-              <a:t/>
-            </a:r>
+          <a:lstStyle/>
+          <a:p>
+            <a:endParaRPr/>
           </a:p>
         </p:txBody>
       </p:sp>
     </p:spTree>
   </p:cSld>
+  <p:clrMapOvr>
+    <a:masterClrMapping/>
+  </p:clrMapOvr>
 </p:sldLayout>
 </file>
 
 <file path=ppt/slideLayouts/slideLayout5.xml><?xml version="1.0" encoding="utf-8"?>
-<p:sldLayout xmlns:a="http://schemas.openxmlformats.org/drawingml/2006/main" xmlns:p="http://schemas.openxmlformats.org/presentationml/2006/main" xmlns:r="http://schemas.openxmlformats.org/officeDocument/2006/relationships" xmlns:p14="http://schemas.microsoft.com/office/powerpoint/2010/main" xmlns:p15="http://schemas.microsoft.com/office/powerpoint/2012/main" xmlns:mc="http://schemas.openxmlformats.org/markup-compatibility/2006" type="titleOnly" preserve="1">
+<p:sldLayout xmlns:a="http://schemas.openxmlformats.org/drawingml/2006/main" xmlns:r="http://schemas.openxmlformats.org/officeDocument/2006/relationships" xmlns:p="http://schemas.openxmlformats.org/presentationml/2006/main" type="titleOnly" preserve="1">
   <p:cSld name="Title Only">
     <p:spTree>
       <p:nvGrpSpPr>
@@ -4132,11 +4365,12 @@
           </a:ln>
         </p:spPr>
         <p:txBody>
-          <a:bodyPr lIns="0" rIns="0" tIns="0" bIns="0" anchor="ctr">
+          <a:bodyPr lIns="0" tIns="0" rIns="0" bIns="0" anchor="ctr">
             <a:noAutofit/>
           </a:bodyPr>
-          <a:p>
-            <a:endParaRPr b="0" lang="en-US" sz="1800" spc="-1" strike="noStrike">
+          <a:lstStyle/>
+          <a:p>
+            <a:endParaRPr lang="en-US" sz="1800" b="0" strike="noStrike" spc="-1">
               <a:solidFill>
                 <a:srgbClr val="000000"/>
               </a:solidFill>
@@ -4158,6 +4392,7 @@
         <p:spPr/>
         <p:txBody>
           <a:bodyPr/>
+          <a:lstStyle/>
           <a:p>
             <a:r>
               <a:t>Footer</a:t>
@@ -4178,10 +4413,12 @@
         <p:spPr/>
         <p:txBody>
           <a:bodyPr/>
+          <a:lstStyle/>
           <a:p>
             <a:fld id="{A43E12FE-5B87-4DA6-9644-0CD8814E90CD}" type="slidenum">
-              <a:t>&lt;#&gt;</a:t>
+              <a:t>‹#›</a:t>
             </a:fld>
+            <a:endParaRPr/>
           </a:p>
         </p:txBody>
       </p:sp>
@@ -4198,21 +4435,22 @@
         <p:spPr/>
         <p:txBody>
           <a:bodyPr/>
-          <a:p>
-            <a:r>
-              <a:rPr lang="en-US"/>
-              <a:t/>
-            </a:r>
+          <a:lstStyle/>
+          <a:p>
+            <a:endParaRPr/>
           </a:p>
         </p:txBody>
       </p:sp>
     </p:spTree>
   </p:cSld>
+  <p:clrMapOvr>
+    <a:masterClrMapping/>
+  </p:clrMapOvr>
 </p:sldLayout>
 </file>
 
 <file path=ppt/slideLayouts/slideLayout6.xml><?xml version="1.0" encoding="utf-8"?>
-<p:sldLayout xmlns:a="http://schemas.openxmlformats.org/drawingml/2006/main" xmlns:p="http://schemas.openxmlformats.org/presentationml/2006/main" xmlns:r="http://schemas.openxmlformats.org/officeDocument/2006/relationships" xmlns:p14="http://schemas.microsoft.com/office/powerpoint/2010/main" xmlns:p15="http://schemas.microsoft.com/office/powerpoint/2012/main" xmlns:mc="http://schemas.openxmlformats.org/markup-compatibility/2006" type="objOnly" preserve="1">
+<p:sldLayout xmlns:a="http://schemas.openxmlformats.org/drawingml/2006/main" xmlns:r="http://schemas.openxmlformats.org/officeDocument/2006/relationships" xmlns:p="http://schemas.openxmlformats.org/presentationml/2006/main" type="objOnly" preserve="1">
   <p:cSld name="Centered Text">
     <p:spTree>
       <p:nvGrpSpPr>
@@ -4252,14 +4490,15 @@
           </a:ln>
         </p:spPr>
         <p:txBody>
-          <a:bodyPr lIns="0" rIns="0" tIns="0" bIns="0" anchor="ctr">
+          <a:bodyPr lIns="0" tIns="0" rIns="0" bIns="0" anchor="ctr">
             <a:noAutofit/>
           </a:bodyPr>
+          <a:lstStyle/>
           <a:p>
             <a:pPr algn="ctr">
               <a:buNone/>
             </a:pPr>
-            <a:endParaRPr b="0" lang="en-US" sz="3200" spc="-1" strike="noStrike">
+            <a:endParaRPr lang="en-US" sz="3200" b="0" strike="noStrike" spc="-1">
               <a:latin typeface="Arial"/>
             </a:endParaRPr>
           </a:p>
@@ -4278,6 +4517,7 @@
         <p:spPr/>
         <p:txBody>
           <a:bodyPr/>
+          <a:lstStyle/>
           <a:p>
             <a:r>
               <a:t>Footer</a:t>
@@ -4298,10 +4538,12 @@
         <p:spPr/>
         <p:txBody>
           <a:bodyPr/>
+          <a:lstStyle/>
           <a:p>
             <a:fld id="{5A6458B6-1283-4B18-8C40-69EDF81779DC}" type="slidenum">
-              <a:t>&lt;#&gt;</a:t>
+              <a:t>‹#›</a:t>
             </a:fld>
+            <a:endParaRPr/>
           </a:p>
         </p:txBody>
       </p:sp>
@@ -4318,21 +4560,22 @@
         <p:spPr/>
         <p:txBody>
           <a:bodyPr/>
-          <a:p>
-            <a:r>
-              <a:rPr lang="en-US"/>
-              <a:t/>
-            </a:r>
+          <a:lstStyle/>
+          <a:p>
+            <a:endParaRPr/>
           </a:p>
         </p:txBody>
       </p:sp>
     </p:spTree>
   </p:cSld>
+  <p:clrMapOvr>
+    <a:masterClrMapping/>
+  </p:clrMapOvr>
 </p:sldLayout>
 </file>
 
 <file path=ppt/slideLayouts/slideLayout7.xml><?xml version="1.0" encoding="utf-8"?>
-<p:sldLayout xmlns:a="http://schemas.openxmlformats.org/drawingml/2006/main" xmlns:p="http://schemas.openxmlformats.org/presentationml/2006/main" xmlns:r="http://schemas.openxmlformats.org/officeDocument/2006/relationships" xmlns:p14="http://schemas.microsoft.com/office/powerpoint/2010/main" xmlns:p15="http://schemas.microsoft.com/office/powerpoint/2012/main" xmlns:mc="http://schemas.openxmlformats.org/markup-compatibility/2006" type="twoObjAndObj" preserve="1">
+<p:sldLayout xmlns:a="http://schemas.openxmlformats.org/drawingml/2006/main" xmlns:r="http://schemas.openxmlformats.org/officeDocument/2006/relationships" xmlns:p="http://schemas.openxmlformats.org/presentationml/2006/main" type="twoObjAndObj" preserve="1">
   <p:cSld name="Title, 2 Content and Content">
     <p:spTree>
       <p:nvGrpSpPr>
@@ -4372,11 +4615,12 @@
           </a:ln>
         </p:spPr>
         <p:txBody>
-          <a:bodyPr lIns="0" rIns="0" tIns="0" bIns="0" anchor="ctr">
+          <a:bodyPr lIns="0" tIns="0" rIns="0" bIns="0" anchor="ctr">
             <a:noAutofit/>
           </a:bodyPr>
-          <a:p>
-            <a:endParaRPr b="0" lang="en-US" sz="1800" spc="-1" strike="noStrike">
+          <a:lstStyle/>
+          <a:p>
+            <a:endParaRPr lang="en-US" sz="1800" b="0" strike="noStrike" spc="-1">
               <a:solidFill>
                 <a:srgbClr val="000000"/>
               </a:solidFill>
@@ -4409,9 +4653,10 @@
           </a:ln>
         </p:spPr>
         <p:txBody>
-          <a:bodyPr lIns="0" rIns="0" tIns="0" bIns="0" anchor="t">
+          <a:bodyPr lIns="0" tIns="0" rIns="0" bIns="0" anchor="t">
             <a:normAutofit/>
           </a:bodyPr>
+          <a:lstStyle/>
           <a:p>
             <a:pPr>
               <a:lnSpc>
@@ -4422,7 +4667,7 @@
               </a:spcBef>
               <a:buNone/>
             </a:pPr>
-            <a:endParaRPr b="0" lang="en-US" sz="2800" spc="-1" strike="noStrike">
+            <a:endParaRPr lang="en-US" sz="2800" b="0" strike="noStrike" spc="-1">
               <a:solidFill>
                 <a:srgbClr val="000000"/>
               </a:solidFill>
@@ -4455,9 +4700,10 @@
           </a:ln>
         </p:spPr>
         <p:txBody>
-          <a:bodyPr lIns="0" rIns="0" tIns="0" bIns="0" anchor="t">
+          <a:bodyPr lIns="0" tIns="0" rIns="0" bIns="0" anchor="t">
             <a:normAutofit/>
           </a:bodyPr>
+          <a:lstStyle/>
           <a:p>
             <a:pPr>
               <a:lnSpc>
@@ -4468,7 +4714,7 @@
               </a:spcBef>
               <a:buNone/>
             </a:pPr>
-            <a:endParaRPr b="0" lang="en-US" sz="2800" spc="-1" strike="noStrike">
+            <a:endParaRPr lang="en-US" sz="2800" b="0" strike="noStrike" spc="-1">
               <a:solidFill>
                 <a:srgbClr val="000000"/>
               </a:solidFill>
@@ -4501,9 +4747,10 @@
           </a:ln>
         </p:spPr>
         <p:txBody>
-          <a:bodyPr lIns="0" rIns="0" tIns="0" bIns="0" anchor="t">
+          <a:bodyPr lIns="0" tIns="0" rIns="0" bIns="0" anchor="t">
             <a:normAutofit/>
           </a:bodyPr>
+          <a:lstStyle/>
           <a:p>
             <a:pPr>
               <a:lnSpc>
@@ -4514,7 +4761,7 @@
               </a:spcBef>
               <a:buNone/>
             </a:pPr>
-            <a:endParaRPr b="0" lang="en-US" sz="2800" spc="-1" strike="noStrike">
+            <a:endParaRPr lang="en-US" sz="2800" b="0" strike="noStrike" spc="-1">
               <a:solidFill>
                 <a:srgbClr val="000000"/>
               </a:solidFill>
@@ -4536,6 +4783,7 @@
         <p:spPr/>
         <p:txBody>
           <a:bodyPr/>
+          <a:lstStyle/>
           <a:p>
             <a:r>
               <a:t>Footer</a:t>
@@ -4556,10 +4804,12 @@
         <p:spPr/>
         <p:txBody>
           <a:bodyPr/>
+          <a:lstStyle/>
           <a:p>
             <a:fld id="{1B4C634E-5397-4681-9ACA-71EECB3140CB}" type="slidenum">
-              <a:t>&lt;#&gt;</a:t>
+              <a:t>‹#›</a:t>
             </a:fld>
+            <a:endParaRPr/>
           </a:p>
         </p:txBody>
       </p:sp>
@@ -4576,21 +4826,22 @@
         <p:spPr/>
         <p:txBody>
           <a:bodyPr/>
-          <a:p>
-            <a:r>
-              <a:rPr lang="en-US"/>
-              <a:t/>
-            </a:r>
+          <a:lstStyle/>
+          <a:p>
+            <a:endParaRPr/>
           </a:p>
         </p:txBody>
       </p:sp>
     </p:spTree>
   </p:cSld>
+  <p:clrMapOvr>
+    <a:masterClrMapping/>
+  </p:clrMapOvr>
 </p:sldLayout>
 </file>
 
 <file path=ppt/slideLayouts/slideLayout8.xml><?xml version="1.0" encoding="utf-8"?>
-<p:sldLayout xmlns:a="http://schemas.openxmlformats.org/drawingml/2006/main" xmlns:p="http://schemas.openxmlformats.org/presentationml/2006/main" xmlns:r="http://schemas.openxmlformats.org/officeDocument/2006/relationships" xmlns:p14="http://schemas.microsoft.com/office/powerpoint/2010/main" xmlns:p15="http://schemas.microsoft.com/office/powerpoint/2012/main" xmlns:mc="http://schemas.openxmlformats.org/markup-compatibility/2006" type="objAndTwoObj" preserve="1">
+<p:sldLayout xmlns:a="http://schemas.openxmlformats.org/drawingml/2006/main" xmlns:r="http://schemas.openxmlformats.org/officeDocument/2006/relationships" xmlns:p="http://schemas.openxmlformats.org/presentationml/2006/main" type="objAndTwoObj" preserve="1">
   <p:cSld name="Title Content and 2 Content">
     <p:spTree>
       <p:nvGrpSpPr>
@@ -4630,11 +4881,12 @@
           </a:ln>
         </p:spPr>
         <p:txBody>
-          <a:bodyPr lIns="0" rIns="0" tIns="0" bIns="0" anchor="ctr">
+          <a:bodyPr lIns="0" tIns="0" rIns="0" bIns="0" anchor="ctr">
             <a:noAutofit/>
           </a:bodyPr>
-          <a:p>
-            <a:endParaRPr b="0" lang="en-US" sz="1800" spc="-1" strike="noStrike">
+          <a:lstStyle/>
+          <a:p>
+            <a:endParaRPr lang="en-US" sz="1800" b="0" strike="noStrike" spc="-1">
               <a:solidFill>
                 <a:srgbClr val="000000"/>
               </a:solidFill>
@@ -4667,9 +4919,10 @@
           </a:ln>
         </p:spPr>
         <p:txBody>
-          <a:bodyPr lIns="0" rIns="0" tIns="0" bIns="0" anchor="t">
+          <a:bodyPr lIns="0" tIns="0" rIns="0" bIns="0" anchor="t">
             <a:normAutofit/>
           </a:bodyPr>
+          <a:lstStyle/>
           <a:p>
             <a:pPr>
               <a:lnSpc>
@@ -4680,7 +4933,7 @@
               </a:spcBef>
               <a:buNone/>
             </a:pPr>
-            <a:endParaRPr b="0" lang="en-US" sz="2800" spc="-1" strike="noStrike">
+            <a:endParaRPr lang="en-US" sz="2800" b="0" strike="noStrike" spc="-1">
               <a:solidFill>
                 <a:srgbClr val="000000"/>
               </a:solidFill>
@@ -4713,9 +4966,10 @@
           </a:ln>
         </p:spPr>
         <p:txBody>
-          <a:bodyPr lIns="0" rIns="0" tIns="0" bIns="0" anchor="t">
+          <a:bodyPr lIns="0" tIns="0" rIns="0" bIns="0" anchor="t">
             <a:normAutofit/>
           </a:bodyPr>
+          <a:lstStyle/>
           <a:p>
             <a:pPr>
               <a:lnSpc>
@@ -4726,7 +4980,7 @@
               </a:spcBef>
               <a:buNone/>
             </a:pPr>
-            <a:endParaRPr b="0" lang="en-US" sz="2800" spc="-1" strike="noStrike">
+            <a:endParaRPr lang="en-US" sz="2800" b="0" strike="noStrike" spc="-1">
               <a:solidFill>
                 <a:srgbClr val="000000"/>
               </a:solidFill>
@@ -4759,9 +5013,10 @@
           </a:ln>
         </p:spPr>
         <p:txBody>
-          <a:bodyPr lIns="0" rIns="0" tIns="0" bIns="0" anchor="t">
+          <a:bodyPr lIns="0" tIns="0" rIns="0" bIns="0" anchor="t">
             <a:normAutofit/>
           </a:bodyPr>
+          <a:lstStyle/>
           <a:p>
             <a:pPr>
               <a:lnSpc>
@@ -4772,7 +5027,7 @@
               </a:spcBef>
               <a:buNone/>
             </a:pPr>
-            <a:endParaRPr b="0" lang="en-US" sz="2800" spc="-1" strike="noStrike">
+            <a:endParaRPr lang="en-US" sz="2800" b="0" strike="noStrike" spc="-1">
               <a:solidFill>
                 <a:srgbClr val="000000"/>
               </a:solidFill>
@@ -4794,6 +5049,7 @@
         <p:spPr/>
         <p:txBody>
           <a:bodyPr/>
+          <a:lstStyle/>
           <a:p>
             <a:r>
               <a:t>Footer</a:t>
@@ -4814,10 +5070,12 @@
         <p:spPr/>
         <p:txBody>
           <a:bodyPr/>
+          <a:lstStyle/>
           <a:p>
             <a:fld id="{8F39A4D5-0906-4219-97FF-8B5A743C3C86}" type="slidenum">
-              <a:t>&lt;#&gt;</a:t>
+              <a:t>‹#›</a:t>
             </a:fld>
+            <a:endParaRPr/>
           </a:p>
         </p:txBody>
       </p:sp>
@@ -4834,21 +5092,22 @@
         <p:spPr/>
         <p:txBody>
           <a:bodyPr/>
-          <a:p>
-            <a:r>
-              <a:rPr lang="en-US"/>
-              <a:t/>
-            </a:r>
+          <a:lstStyle/>
+          <a:p>
+            <a:endParaRPr/>
           </a:p>
         </p:txBody>
       </p:sp>
     </p:spTree>
   </p:cSld>
+  <p:clrMapOvr>
+    <a:masterClrMapping/>
+  </p:clrMapOvr>
 </p:sldLayout>
 </file>
 
 <file path=ppt/slideLayouts/slideLayout9.xml><?xml version="1.0" encoding="utf-8"?>
-<p:sldLayout xmlns:a="http://schemas.openxmlformats.org/drawingml/2006/main" xmlns:p="http://schemas.openxmlformats.org/presentationml/2006/main" xmlns:r="http://schemas.openxmlformats.org/officeDocument/2006/relationships" xmlns:p14="http://schemas.microsoft.com/office/powerpoint/2010/main" xmlns:p15="http://schemas.microsoft.com/office/powerpoint/2012/main" xmlns:mc="http://schemas.openxmlformats.org/markup-compatibility/2006" type="twoObjOverTx" preserve="1">
+<p:sldLayout xmlns:a="http://schemas.openxmlformats.org/drawingml/2006/main" xmlns:r="http://schemas.openxmlformats.org/officeDocument/2006/relationships" xmlns:p="http://schemas.openxmlformats.org/presentationml/2006/main" type="twoObjOverTx" preserve="1">
   <p:cSld name="Title, 2 Content over Content">
     <p:spTree>
       <p:nvGrpSpPr>
@@ -4888,11 +5147,12 @@
           </a:ln>
         </p:spPr>
         <p:txBody>
-          <a:bodyPr lIns="0" rIns="0" tIns="0" bIns="0" anchor="ctr">
+          <a:bodyPr lIns="0" tIns="0" rIns="0" bIns="0" anchor="ctr">
             <a:noAutofit/>
           </a:bodyPr>
-          <a:p>
-            <a:endParaRPr b="0" lang="en-US" sz="1800" spc="-1" strike="noStrike">
+          <a:lstStyle/>
+          <a:p>
+            <a:endParaRPr lang="en-US" sz="1800" b="0" strike="noStrike" spc="-1">
               <a:solidFill>
                 <a:srgbClr val="000000"/>
               </a:solidFill>
@@ -4925,9 +5185,10 @@
           </a:ln>
         </p:spPr>
         <p:txBody>
-          <a:bodyPr lIns="0" rIns="0" tIns="0" bIns="0" anchor="t">
+          <a:bodyPr lIns="0" tIns="0" rIns="0" bIns="0" anchor="t">
             <a:normAutofit/>
           </a:bodyPr>
+          <a:lstStyle/>
           <a:p>
             <a:pPr>
               <a:lnSpc>
@@ -4938,7 +5199,7 @@
               </a:spcBef>
               <a:buNone/>
             </a:pPr>
-            <a:endParaRPr b="0" lang="en-US" sz="2800" spc="-1" strike="noStrike">
+            <a:endParaRPr lang="en-US" sz="2800" b="0" strike="noStrike" spc="-1">
               <a:solidFill>
                 <a:srgbClr val="000000"/>
               </a:solidFill>
@@ -4971,9 +5232,10 @@
           </a:ln>
         </p:spPr>
         <p:txBody>
-          <a:bodyPr lIns="0" rIns="0" tIns="0" bIns="0" anchor="t">
+          <a:bodyPr lIns="0" tIns="0" rIns="0" bIns="0" anchor="t">
             <a:normAutofit/>
           </a:bodyPr>
+          <a:lstStyle/>
           <a:p>
             <a:pPr>
               <a:lnSpc>
@@ -4984,7 +5246,7 @@
               </a:spcBef>
               <a:buNone/>
             </a:pPr>
-            <a:endParaRPr b="0" lang="en-US" sz="2800" spc="-1" strike="noStrike">
+            <a:endParaRPr lang="en-US" sz="2800" b="0" strike="noStrike" spc="-1">
               <a:solidFill>
                 <a:srgbClr val="000000"/>
               </a:solidFill>
@@ -5017,9 +5279,10 @@
           </a:ln>
         </p:spPr>
         <p:txBody>
-          <a:bodyPr lIns="0" rIns="0" tIns="0" bIns="0" anchor="t">
+          <a:bodyPr lIns="0" tIns="0" rIns="0" bIns="0" anchor="t">
             <a:normAutofit/>
           </a:bodyPr>
+          <a:lstStyle/>
           <a:p>
             <a:pPr>
               <a:lnSpc>
@@ -5030,7 +5293,7 @@
               </a:spcBef>
               <a:buNone/>
             </a:pPr>
-            <a:endParaRPr b="0" lang="en-US" sz="2800" spc="-1" strike="noStrike">
+            <a:endParaRPr lang="en-US" sz="2800" b="0" strike="noStrike" spc="-1">
               <a:solidFill>
                 <a:srgbClr val="000000"/>
               </a:solidFill>
@@ -5052,6 +5315,7 @@
         <p:spPr/>
         <p:txBody>
           <a:bodyPr/>
+          <a:lstStyle/>
           <a:p>
             <a:r>
               <a:t>Footer</a:t>
@@ -5072,10 +5336,12 @@
         <p:spPr/>
         <p:txBody>
           <a:bodyPr/>
+          <a:lstStyle/>
           <a:p>
             <a:fld id="{6C83215E-0813-456C-9100-599E2A54CE08}" type="slidenum">
-              <a:t>&lt;#&gt;</a:t>
+              <a:t>‹#›</a:t>
             </a:fld>
+            <a:endParaRPr/>
           </a:p>
         </p:txBody>
       </p:sp>
@@ -5092,27 +5358,29 @@
         <p:spPr/>
         <p:txBody>
           <a:bodyPr/>
-          <a:p>
-            <a:r>
-              <a:rPr lang="en-US"/>
-              <a:t/>
-            </a:r>
+          <a:lstStyle/>
+          <a:p>
+            <a:endParaRPr/>
           </a:p>
         </p:txBody>
       </p:sp>
     </p:spTree>
   </p:cSld>
+  <p:clrMapOvr>
+    <a:masterClrMapping/>
+  </p:clrMapOvr>
 </p:sldLayout>
 </file>
 
 <file path=ppt/slideMasters/slideMaster1.xml><?xml version="1.0" encoding="utf-8"?>
-<p:sldMaster xmlns:a="http://schemas.openxmlformats.org/drawingml/2006/main" xmlns:p="http://schemas.openxmlformats.org/presentationml/2006/main" xmlns:r="http://schemas.openxmlformats.org/officeDocument/2006/relationships" xmlns:p14="http://schemas.microsoft.com/office/powerpoint/2010/main" xmlns:p15="http://schemas.microsoft.com/office/powerpoint/2012/main" xmlns:mc="http://schemas.openxmlformats.org/markup-compatibility/2006">
+<p:sldMaster xmlns:a="http://schemas.openxmlformats.org/drawingml/2006/main" xmlns:r="http://schemas.openxmlformats.org/officeDocument/2006/relationships" xmlns:p="http://schemas.openxmlformats.org/presentationml/2006/main">
   <p:cSld>
     <p:bg>
       <p:bgPr>
         <a:solidFill>
-          <a:srgbClr val="ffffff"/>
+          <a:srgbClr val="FFFFFF"/>
         </a:solidFill>
+        <a:effectLst/>
       </p:bgPr>
     </p:bg>
     <p:spTree>
@@ -5131,7 +5399,7 @@
       </p:grpSpPr>
       <p:sp>
         <p:nvSpPr>
-          <p:cNvPr id="0" name="PlaceHolder 1"/>
+          <p:cNvPr id="5" name="PlaceHolder 1"/>
           <p:cNvSpPr>
             <a:spLocks noGrp="1"/>
           </p:cNvSpPr>
@@ -5156,6 +5424,7 @@
           <a:bodyPr anchor="b">
             <a:noAutofit/>
           </a:bodyPr>
+          <a:lstStyle/>
           <a:p>
             <a:pPr algn="ctr">
               <a:lnSpc>
@@ -5164,7 +5433,7 @@
               <a:buNone/>
             </a:pPr>
             <a:r>
-              <a:rPr b="0" lang="en-US" sz="6000" spc="-1" strike="noStrike">
+              <a:rPr lang="en-US" sz="6000" b="0" strike="noStrike" spc="-1">
                 <a:solidFill>
                   <a:srgbClr val="000000"/>
                 </a:solidFill>
@@ -5172,7 +5441,7 @@
               </a:rPr>
               <a:t>Click to edit Master title style</a:t>
             </a:r>
-            <a:endParaRPr b="0" lang="en-US" sz="6000" spc="-1" strike="noStrike">
+            <a:endParaRPr lang="en-US" sz="6000" b="0" strike="noStrike" spc="-1">
               <a:solidFill>
                 <a:srgbClr val="000000"/>
               </a:solidFill>
@@ -5183,7 +5452,7 @@
       </p:sp>
       <p:sp>
         <p:nvSpPr>
-          <p:cNvPr id="1" name="PlaceHolder 2"/>
+          <p:cNvPr id="6" name="PlaceHolder 2"/>
           <p:cNvSpPr>
             <a:spLocks noGrp="1"/>
           </p:cNvSpPr>
@@ -5214,7 +5483,7 @@
                 <a:spcPct val="100000"/>
               </a:lnSpc>
               <a:buNone/>
-              <a:defRPr b="0" lang="en-US" sz="1200" spc="-1" strike="noStrike">
+              <a:defRPr lang="en-US" sz="1200" b="0" strike="noStrike" spc="-1">
                 <a:solidFill>
                   <a:srgbClr val="787878"/>
                 </a:solidFill>
@@ -5230,7 +5499,7 @@
               <a:buNone/>
             </a:pPr>
             <a:r>
-              <a:rPr b="0" lang="en-US" sz="1200" spc="-1" strike="noStrike">
+              <a:rPr lang="en-US" sz="1200" b="0" strike="noStrike" spc="-1">
                 <a:solidFill>
                   <a:srgbClr val="787878"/>
                 </a:solidFill>
@@ -5238,7 +5507,7 @@
               </a:rPr>
               <a:t>&lt;date/time&gt;</a:t>
             </a:r>
-            <a:endParaRPr b="0" lang="en-US" sz="1200" spc="-1" strike="noStrike">
+            <a:endParaRPr lang="en-US" sz="1200" b="0" strike="noStrike" spc="-1">
               <a:latin typeface="Times New Roman"/>
             </a:endParaRPr>
           </a:p>
@@ -5274,7 +5543,7 @@
           <a:lstStyle>
             <a:lvl1pPr algn="ctr">
               <a:buNone/>
-              <a:defRPr b="0" lang="en-US" sz="1400" spc="-1" strike="noStrike">
+              <a:defRPr lang="en-US" sz="1400" b="0" strike="noStrike" spc="-1">
                 <a:latin typeface="Times New Roman"/>
               </a:defRPr>
             </a:lvl1pPr>
@@ -5284,14 +5553,11 @@
               <a:buNone/>
             </a:pPr>
             <a:r>
-              <a:rPr b="0" lang="en-US" sz="1400" spc="-1" strike="noStrike">
+              <a:rPr lang="en-US" sz="1400" b="0" strike="noStrike" spc="-1">
                 <a:latin typeface="Times New Roman"/>
               </a:rPr>
               <a:t>&lt;footer&gt;</a:t>
             </a:r>
-            <a:endParaRPr b="0" lang="en-US" sz="1400" spc="-1" strike="noStrike">
-              <a:latin typeface="Times New Roman"/>
-            </a:endParaRPr>
           </a:p>
         </p:txBody>
       </p:sp>
@@ -5328,7 +5594,7 @@
                 <a:spcPct val="100000"/>
               </a:lnSpc>
               <a:buNone/>
-              <a:defRPr b="0" lang="en-US" sz="1200" spc="-1" strike="noStrike">
+              <a:defRPr lang="en-US" sz="1200" b="0" strike="noStrike" spc="-1">
                 <a:solidFill>
                   <a:srgbClr val="787878"/>
                 </a:solidFill>
@@ -5344,15 +5610,15 @@
               <a:buNone/>
             </a:pPr>
             <a:fld id="{9B3D4598-D9CA-4D29-B553-9E0A14A510C2}" type="slidenum">
-              <a:rPr b="0" lang="en-US" sz="1200" spc="-1" strike="noStrike">
+              <a:rPr lang="en-US" sz="1200" b="0" strike="noStrike" spc="-1">
                 <a:solidFill>
                   <a:srgbClr val="787878"/>
                 </a:solidFill>
                 <a:latin typeface="Aptos"/>
               </a:rPr>
-              <a:t>&lt;number&gt;</a:t>
+              <a:t>‹#›</a:t>
             </a:fld>
-            <a:endParaRPr b="0" lang="en-US" sz="1200" spc="-1" strike="noStrike">
+            <a:endParaRPr lang="en-US" sz="1200" b="0" strike="noStrike" spc="-1">
               <a:latin typeface="Times New Roman"/>
             </a:endParaRPr>
           </a:p>
@@ -5382,9 +5648,10 @@
           </a:ln>
         </p:spPr>
         <p:txBody>
-          <a:bodyPr lIns="0" rIns="0" tIns="0" bIns="0" anchor="t">
+          <a:bodyPr lIns="0" tIns="0" rIns="0" bIns="0" anchor="t">
             <a:normAutofit/>
           </a:bodyPr>
+          <a:lstStyle/>
           <a:p>
             <a:pPr marL="432000" indent="-324000">
               <a:lnSpc>
@@ -5401,7 +5668,7 @@
               <a:buChar char=""/>
             </a:pPr>
             <a:r>
-              <a:rPr b="0" lang="en-US" sz="2800" spc="-1" strike="noStrike">
+              <a:rPr lang="en-US" sz="2800" b="0" strike="noStrike" spc="-1">
                 <a:solidFill>
                   <a:srgbClr val="000000"/>
                 </a:solidFill>
@@ -5409,15 +5676,9 @@
               </a:rPr>
               <a:t>Click to edit the outline text format</a:t>
             </a:r>
-            <a:endParaRPr b="0" lang="en-US" sz="2800" spc="-1" strike="noStrike">
-              <a:solidFill>
-                <a:srgbClr val="000000"/>
-              </a:solidFill>
-              <a:latin typeface="Aptos"/>
-            </a:endParaRPr>
-          </a:p>
-          <a:p>
-            <a:pPr lvl="1" marL="864000" indent="-324000">
+          </a:p>
+          <a:p>
+            <a:pPr marL="864000" lvl="1" indent="-324000">
               <a:lnSpc>
                 <a:spcPct val="90000"/>
               </a:lnSpc>
@@ -5432,7 +5693,7 @@
               <a:buChar char=""/>
             </a:pPr>
             <a:r>
-              <a:rPr b="0" lang="en-US" sz="2000" spc="-1" strike="noStrike">
+              <a:rPr lang="en-US" sz="2000" b="0" strike="noStrike" spc="-1">
                 <a:solidFill>
                   <a:srgbClr val="000000"/>
                 </a:solidFill>
@@ -5440,15 +5701,9 @@
               </a:rPr>
               <a:t>Second Outline Level</a:t>
             </a:r>
-            <a:endParaRPr b="0" lang="en-US" sz="2000" spc="-1" strike="noStrike">
-              <a:solidFill>
-                <a:srgbClr val="000000"/>
-              </a:solidFill>
-              <a:latin typeface="Aptos"/>
-            </a:endParaRPr>
-          </a:p>
-          <a:p>
-            <a:pPr lvl="2" marL="1296000" indent="-288000">
+          </a:p>
+          <a:p>
+            <a:pPr marL="1296000" lvl="2" indent="-288000">
               <a:lnSpc>
                 <a:spcPct val="90000"/>
               </a:lnSpc>
@@ -5463,7 +5718,7 @@
               <a:buChar char=""/>
             </a:pPr>
             <a:r>
-              <a:rPr b="0" lang="en-US" sz="1800" spc="-1" strike="noStrike">
+              <a:rPr lang="en-US" sz="1800" b="0" strike="noStrike" spc="-1">
                 <a:solidFill>
                   <a:srgbClr val="000000"/>
                 </a:solidFill>
@@ -5471,15 +5726,9 @@
               </a:rPr>
               <a:t>Third Outline Level</a:t>
             </a:r>
-            <a:endParaRPr b="0" lang="en-US" sz="1800" spc="-1" strike="noStrike">
-              <a:solidFill>
-                <a:srgbClr val="000000"/>
-              </a:solidFill>
-              <a:latin typeface="Aptos"/>
-            </a:endParaRPr>
-          </a:p>
-          <a:p>
-            <a:pPr lvl="3" marL="1728000" indent="-216000">
+          </a:p>
+          <a:p>
+            <a:pPr marL="1728000" lvl="3" indent="-216000">
               <a:lnSpc>
                 <a:spcPct val="90000"/>
               </a:lnSpc>
@@ -5494,7 +5743,7 @@
               <a:buChar char=""/>
             </a:pPr>
             <a:r>
-              <a:rPr b="0" lang="en-US" sz="1800" spc="-1" strike="noStrike">
+              <a:rPr lang="en-US" sz="1800" b="0" strike="noStrike" spc="-1">
                 <a:solidFill>
                   <a:srgbClr val="000000"/>
                 </a:solidFill>
@@ -5502,15 +5751,9 @@
               </a:rPr>
               <a:t>Fourth Outline Level</a:t>
             </a:r>
-            <a:endParaRPr b="0" lang="en-US" sz="1800" spc="-1" strike="noStrike">
-              <a:solidFill>
-                <a:srgbClr val="000000"/>
-              </a:solidFill>
-              <a:latin typeface="Aptos"/>
-            </a:endParaRPr>
-          </a:p>
-          <a:p>
-            <a:pPr lvl="4" marL="2160000" indent="-216000">
+          </a:p>
+          <a:p>
+            <a:pPr marL="2160000" lvl="4" indent="-216000">
               <a:lnSpc>
                 <a:spcPct val="90000"/>
               </a:lnSpc>
@@ -5525,7 +5768,7 @@
               <a:buChar char=""/>
             </a:pPr>
             <a:r>
-              <a:rPr b="0" lang="en-US" sz="2000" spc="-1" strike="noStrike">
+              <a:rPr lang="en-US" sz="2000" b="0" strike="noStrike" spc="-1">
                 <a:solidFill>
                   <a:srgbClr val="000000"/>
                 </a:solidFill>
@@ -5533,15 +5776,9 @@
               </a:rPr>
               <a:t>Fifth Outline Level</a:t>
             </a:r>
-            <a:endParaRPr b="0" lang="en-US" sz="2000" spc="-1" strike="noStrike">
-              <a:solidFill>
-                <a:srgbClr val="000000"/>
-              </a:solidFill>
-              <a:latin typeface="Aptos"/>
-            </a:endParaRPr>
-          </a:p>
-          <a:p>
-            <a:pPr lvl="5" marL="2592000" indent="-216000">
+          </a:p>
+          <a:p>
+            <a:pPr marL="2592000" lvl="5" indent="-216000">
               <a:lnSpc>
                 <a:spcPct val="90000"/>
               </a:lnSpc>
@@ -5556,7 +5793,7 @@
               <a:buChar char=""/>
             </a:pPr>
             <a:r>
-              <a:rPr b="0" lang="en-US" sz="2000" spc="-1" strike="noStrike">
+              <a:rPr lang="en-US" sz="2000" b="0" strike="noStrike" spc="-1">
                 <a:solidFill>
                   <a:srgbClr val="000000"/>
                 </a:solidFill>
@@ -5564,15 +5801,9 @@
               </a:rPr>
               <a:t>Sixth Outline Level</a:t>
             </a:r>
-            <a:endParaRPr b="0" lang="en-US" sz="2000" spc="-1" strike="noStrike">
-              <a:solidFill>
-                <a:srgbClr val="000000"/>
-              </a:solidFill>
-              <a:latin typeface="Aptos"/>
-            </a:endParaRPr>
-          </a:p>
-          <a:p>
-            <a:pPr lvl="6" marL="3024000" indent="-216000">
+          </a:p>
+          <a:p>
+            <a:pPr marL="3024000" lvl="6" indent="-216000">
               <a:lnSpc>
                 <a:spcPct val="90000"/>
               </a:lnSpc>
@@ -5587,7 +5818,7 @@
               <a:buChar char=""/>
             </a:pPr>
             <a:r>
-              <a:rPr b="0" lang="en-US" sz="2000" spc="-1" strike="noStrike">
+              <a:rPr lang="en-US" sz="2000" b="0" strike="noStrike" spc="-1">
                 <a:solidFill>
                   <a:srgbClr val="000000"/>
                 </a:solidFill>
@@ -5595,43 +5826,318 @@
               </a:rPr>
               <a:t>Seventh Outline Level</a:t>
             </a:r>
-            <a:endParaRPr b="0" lang="en-US" sz="2000" spc="-1" strike="noStrike">
-              <a:solidFill>
-                <a:srgbClr val="000000"/>
-              </a:solidFill>
-              <a:latin typeface="Aptos"/>
-            </a:endParaRPr>
           </a:p>
         </p:txBody>
       </p:sp>
     </p:spTree>
   </p:cSld>
-  <p:clrMap bg1="lt1" bg2="lt2" tx1="dk1" tx2="dk2" accent1="accent1" accent2="accent2" accent3="accent3" accent4="accent4" accent5="accent5" accent6="accent6" hlink="hlink" folHlink="folHlink"/>
+  <p:clrMap bg1="lt1" tx1="dk1" bg2="lt2" tx2="dk2" accent1="accent1" accent2="accent2" accent3="accent3" accent4="accent4" accent5="accent5" accent6="accent6" hlink="hlink" folHlink="folHlink"/>
   <p:sldLayoutIdLst>
-    <p:sldLayoutId id="2147483649" r:id="rId2"/>
-    <p:sldLayoutId id="2147483650" r:id="rId3"/>
-    <p:sldLayoutId id="2147483651" r:id="rId4"/>
-    <p:sldLayoutId id="2147483652" r:id="rId5"/>
-    <p:sldLayoutId id="2147483653" r:id="rId6"/>
-    <p:sldLayoutId id="2147483654" r:id="rId7"/>
-    <p:sldLayoutId id="2147483655" r:id="rId8"/>
-    <p:sldLayoutId id="2147483656" r:id="rId9"/>
-    <p:sldLayoutId id="2147483657" r:id="rId10"/>
-    <p:sldLayoutId id="2147483658" r:id="rId11"/>
-    <p:sldLayoutId id="2147483659" r:id="rId12"/>
-    <p:sldLayoutId id="2147483660" r:id="rId13"/>
+    <p:sldLayoutId id="2147483649" r:id="rId1"/>
+    <p:sldLayoutId id="2147483650" r:id="rId2"/>
+    <p:sldLayoutId id="2147483651" r:id="rId3"/>
+    <p:sldLayoutId id="2147483652" r:id="rId4"/>
+    <p:sldLayoutId id="2147483653" r:id="rId5"/>
+    <p:sldLayoutId id="2147483654" r:id="rId6"/>
+    <p:sldLayoutId id="2147483655" r:id="rId7"/>
+    <p:sldLayoutId id="2147483656" r:id="rId8"/>
+    <p:sldLayoutId id="2147483657" r:id="rId9"/>
+    <p:sldLayoutId id="2147483658" r:id="rId10"/>
+    <p:sldLayoutId id="2147483659" r:id="rId11"/>
+    <p:sldLayoutId id="2147483660" r:id="rId12"/>
   </p:sldLayoutIdLst>
+  <p:txStyles>
+    <p:titleStyle>
+      <a:lvl1pPr algn="l" defTabSz="914400" rtl="0" eaLnBrk="1" latinLnBrk="0" hangingPunct="1">
+        <a:lnSpc>
+          <a:spcPct val="90000"/>
+        </a:lnSpc>
+        <a:spcBef>
+          <a:spcPct val="0"/>
+        </a:spcBef>
+        <a:buNone/>
+        <a:defRPr sz="4400" kern="1200">
+          <a:solidFill>
+            <a:schemeClr val="tx1"/>
+          </a:solidFill>
+          <a:latin typeface="+mj-lt"/>
+          <a:ea typeface="+mj-ea"/>
+          <a:cs typeface="+mj-cs"/>
+        </a:defRPr>
+      </a:lvl1pPr>
+    </p:titleStyle>
+    <p:bodyStyle>
+      <a:lvl1pPr marL="228600" indent="-228600" algn="l" defTabSz="914400" rtl="0" eaLnBrk="1" latinLnBrk="0" hangingPunct="1">
+        <a:lnSpc>
+          <a:spcPct val="90000"/>
+        </a:lnSpc>
+        <a:spcBef>
+          <a:spcPts val="1000"/>
+        </a:spcBef>
+        <a:buFont typeface="Arial" panose="020B0604020202020204" pitchFamily="34" charset="0"/>
+        <a:buChar char="•"/>
+        <a:defRPr sz="2800" kern="1200">
+          <a:solidFill>
+            <a:schemeClr val="tx1"/>
+          </a:solidFill>
+          <a:latin typeface="+mn-lt"/>
+          <a:ea typeface="+mn-ea"/>
+          <a:cs typeface="+mn-cs"/>
+        </a:defRPr>
+      </a:lvl1pPr>
+      <a:lvl2pPr marL="685800" indent="-228600" algn="l" defTabSz="914400" rtl="0" eaLnBrk="1" latinLnBrk="0" hangingPunct="1">
+        <a:lnSpc>
+          <a:spcPct val="90000"/>
+        </a:lnSpc>
+        <a:spcBef>
+          <a:spcPts val="500"/>
+        </a:spcBef>
+        <a:buFont typeface="Arial" panose="020B0604020202020204" pitchFamily="34" charset="0"/>
+        <a:buChar char="•"/>
+        <a:defRPr sz="2400" kern="1200">
+          <a:solidFill>
+            <a:schemeClr val="tx1"/>
+          </a:solidFill>
+          <a:latin typeface="+mn-lt"/>
+          <a:ea typeface="+mn-ea"/>
+          <a:cs typeface="+mn-cs"/>
+        </a:defRPr>
+      </a:lvl2pPr>
+      <a:lvl3pPr marL="1143000" indent="-228600" algn="l" defTabSz="914400" rtl="0" eaLnBrk="1" latinLnBrk="0" hangingPunct="1">
+        <a:lnSpc>
+          <a:spcPct val="90000"/>
+        </a:lnSpc>
+        <a:spcBef>
+          <a:spcPts val="500"/>
+        </a:spcBef>
+        <a:buFont typeface="Arial" panose="020B0604020202020204" pitchFamily="34" charset="0"/>
+        <a:buChar char="•"/>
+        <a:defRPr sz="2000" kern="1200">
+          <a:solidFill>
+            <a:schemeClr val="tx1"/>
+          </a:solidFill>
+          <a:latin typeface="+mn-lt"/>
+          <a:ea typeface="+mn-ea"/>
+          <a:cs typeface="+mn-cs"/>
+        </a:defRPr>
+      </a:lvl3pPr>
+      <a:lvl4pPr marL="1600200" indent="-228600" algn="l" defTabSz="914400" rtl="0" eaLnBrk="1" latinLnBrk="0" hangingPunct="1">
+        <a:lnSpc>
+          <a:spcPct val="90000"/>
+        </a:lnSpc>
+        <a:spcBef>
+          <a:spcPts val="500"/>
+        </a:spcBef>
+        <a:buFont typeface="Arial" panose="020B0604020202020204" pitchFamily="34" charset="0"/>
+        <a:buChar char="•"/>
+        <a:defRPr sz="1800" kern="1200">
+          <a:solidFill>
+            <a:schemeClr val="tx1"/>
+          </a:solidFill>
+          <a:latin typeface="+mn-lt"/>
+          <a:ea typeface="+mn-ea"/>
+          <a:cs typeface="+mn-cs"/>
+        </a:defRPr>
+      </a:lvl4pPr>
+      <a:lvl5pPr marL="2057400" indent="-228600" algn="l" defTabSz="914400" rtl="0" eaLnBrk="1" latinLnBrk="0" hangingPunct="1">
+        <a:lnSpc>
+          <a:spcPct val="90000"/>
+        </a:lnSpc>
+        <a:spcBef>
+          <a:spcPts val="500"/>
+        </a:spcBef>
+        <a:buFont typeface="Arial" panose="020B0604020202020204" pitchFamily="34" charset="0"/>
+        <a:buChar char="•"/>
+        <a:defRPr sz="1800" kern="1200">
+          <a:solidFill>
+            <a:schemeClr val="tx1"/>
+          </a:solidFill>
+          <a:latin typeface="+mn-lt"/>
+          <a:ea typeface="+mn-ea"/>
+          <a:cs typeface="+mn-cs"/>
+        </a:defRPr>
+      </a:lvl5pPr>
+      <a:lvl6pPr marL="2514600" indent="-228600" algn="l" defTabSz="914400" rtl="0" eaLnBrk="1" latinLnBrk="0" hangingPunct="1">
+        <a:lnSpc>
+          <a:spcPct val="90000"/>
+        </a:lnSpc>
+        <a:spcBef>
+          <a:spcPts val="500"/>
+        </a:spcBef>
+        <a:buFont typeface="Arial" panose="020B0604020202020204" pitchFamily="34" charset="0"/>
+        <a:buChar char="•"/>
+        <a:defRPr sz="1800" kern="1200">
+          <a:solidFill>
+            <a:schemeClr val="tx1"/>
+          </a:solidFill>
+          <a:latin typeface="+mn-lt"/>
+          <a:ea typeface="+mn-ea"/>
+          <a:cs typeface="+mn-cs"/>
+        </a:defRPr>
+      </a:lvl6pPr>
+      <a:lvl7pPr marL="2971800" indent="-228600" algn="l" defTabSz="914400" rtl="0" eaLnBrk="1" latinLnBrk="0" hangingPunct="1">
+        <a:lnSpc>
+          <a:spcPct val="90000"/>
+        </a:lnSpc>
+        <a:spcBef>
+          <a:spcPts val="500"/>
+        </a:spcBef>
+        <a:buFont typeface="Arial" panose="020B0604020202020204" pitchFamily="34" charset="0"/>
+        <a:buChar char="•"/>
+        <a:defRPr sz="1800" kern="1200">
+          <a:solidFill>
+            <a:schemeClr val="tx1"/>
+          </a:solidFill>
+          <a:latin typeface="+mn-lt"/>
+          <a:ea typeface="+mn-ea"/>
+          <a:cs typeface="+mn-cs"/>
+        </a:defRPr>
+      </a:lvl7pPr>
+      <a:lvl8pPr marL="3429000" indent="-228600" algn="l" defTabSz="914400" rtl="0" eaLnBrk="1" latinLnBrk="0" hangingPunct="1">
+        <a:lnSpc>
+          <a:spcPct val="90000"/>
+        </a:lnSpc>
+        <a:spcBef>
+          <a:spcPts val="500"/>
+        </a:spcBef>
+        <a:buFont typeface="Arial" panose="020B0604020202020204" pitchFamily="34" charset="0"/>
+        <a:buChar char="•"/>
+        <a:defRPr sz="1800" kern="1200">
+          <a:solidFill>
+            <a:schemeClr val="tx1"/>
+          </a:solidFill>
+          <a:latin typeface="+mn-lt"/>
+          <a:ea typeface="+mn-ea"/>
+          <a:cs typeface="+mn-cs"/>
+        </a:defRPr>
+      </a:lvl8pPr>
+      <a:lvl9pPr marL="3886200" indent="-228600" algn="l" defTabSz="914400" rtl="0" eaLnBrk="1" latinLnBrk="0" hangingPunct="1">
+        <a:lnSpc>
+          <a:spcPct val="90000"/>
+        </a:lnSpc>
+        <a:spcBef>
+          <a:spcPts val="500"/>
+        </a:spcBef>
+        <a:buFont typeface="Arial" panose="020B0604020202020204" pitchFamily="34" charset="0"/>
+        <a:buChar char="•"/>
+        <a:defRPr sz="1800" kern="1200">
+          <a:solidFill>
+            <a:schemeClr val="tx1"/>
+          </a:solidFill>
+          <a:latin typeface="+mn-lt"/>
+          <a:ea typeface="+mn-ea"/>
+          <a:cs typeface="+mn-cs"/>
+        </a:defRPr>
+      </a:lvl9pPr>
+    </p:bodyStyle>
+    <p:otherStyle>
+      <a:defPPr>
+        <a:defRPr lang="en-US"/>
+      </a:defPPr>
+      <a:lvl1pPr marL="0" algn="l" defTabSz="914400" rtl="0" eaLnBrk="1" latinLnBrk="0" hangingPunct="1">
+        <a:defRPr sz="1800" kern="1200">
+          <a:solidFill>
+            <a:schemeClr val="tx1"/>
+          </a:solidFill>
+          <a:latin typeface="+mn-lt"/>
+          <a:ea typeface="+mn-ea"/>
+          <a:cs typeface="+mn-cs"/>
+        </a:defRPr>
+      </a:lvl1pPr>
+      <a:lvl2pPr marL="457200" algn="l" defTabSz="914400" rtl="0" eaLnBrk="1" latinLnBrk="0" hangingPunct="1">
+        <a:defRPr sz="1800" kern="1200">
+          <a:solidFill>
+            <a:schemeClr val="tx1"/>
+          </a:solidFill>
+          <a:latin typeface="+mn-lt"/>
+          <a:ea typeface="+mn-ea"/>
+          <a:cs typeface="+mn-cs"/>
+        </a:defRPr>
+      </a:lvl2pPr>
+      <a:lvl3pPr marL="914400" algn="l" defTabSz="914400" rtl="0" eaLnBrk="1" latinLnBrk="0" hangingPunct="1">
+        <a:defRPr sz="1800" kern="1200">
+          <a:solidFill>
+            <a:schemeClr val="tx1"/>
+          </a:solidFill>
+          <a:latin typeface="+mn-lt"/>
+          <a:ea typeface="+mn-ea"/>
+          <a:cs typeface="+mn-cs"/>
+        </a:defRPr>
+      </a:lvl3pPr>
+      <a:lvl4pPr marL="1371600" algn="l" defTabSz="914400" rtl="0" eaLnBrk="1" latinLnBrk="0" hangingPunct="1">
+        <a:defRPr sz="1800" kern="1200">
+          <a:solidFill>
+            <a:schemeClr val="tx1"/>
+          </a:solidFill>
+          <a:latin typeface="+mn-lt"/>
+          <a:ea typeface="+mn-ea"/>
+          <a:cs typeface="+mn-cs"/>
+        </a:defRPr>
+      </a:lvl4pPr>
+      <a:lvl5pPr marL="1828800" algn="l" defTabSz="914400" rtl="0" eaLnBrk="1" latinLnBrk="0" hangingPunct="1">
+        <a:defRPr sz="1800" kern="1200">
+          <a:solidFill>
+            <a:schemeClr val="tx1"/>
+          </a:solidFill>
+          <a:latin typeface="+mn-lt"/>
+          <a:ea typeface="+mn-ea"/>
+          <a:cs typeface="+mn-cs"/>
+        </a:defRPr>
+      </a:lvl5pPr>
+      <a:lvl6pPr marL="2286000" algn="l" defTabSz="914400" rtl="0" eaLnBrk="1" latinLnBrk="0" hangingPunct="1">
+        <a:defRPr sz="1800" kern="1200">
+          <a:solidFill>
+            <a:schemeClr val="tx1"/>
+          </a:solidFill>
+          <a:latin typeface="+mn-lt"/>
+          <a:ea typeface="+mn-ea"/>
+          <a:cs typeface="+mn-cs"/>
+        </a:defRPr>
+      </a:lvl6pPr>
+      <a:lvl7pPr marL="2743200" algn="l" defTabSz="914400" rtl="0" eaLnBrk="1" latinLnBrk="0" hangingPunct="1">
+        <a:defRPr sz="1800" kern="1200">
+          <a:solidFill>
+            <a:schemeClr val="tx1"/>
+          </a:solidFill>
+          <a:latin typeface="+mn-lt"/>
+          <a:ea typeface="+mn-ea"/>
+          <a:cs typeface="+mn-cs"/>
+        </a:defRPr>
+      </a:lvl7pPr>
+      <a:lvl8pPr marL="3200400" algn="l" defTabSz="914400" rtl="0" eaLnBrk="1" latinLnBrk="0" hangingPunct="1">
+        <a:defRPr sz="1800" kern="1200">
+          <a:solidFill>
+            <a:schemeClr val="tx1"/>
+          </a:solidFill>
+          <a:latin typeface="+mn-lt"/>
+          <a:ea typeface="+mn-ea"/>
+          <a:cs typeface="+mn-cs"/>
+        </a:defRPr>
+      </a:lvl8pPr>
+      <a:lvl9pPr marL="3657600" algn="l" defTabSz="914400" rtl="0" eaLnBrk="1" latinLnBrk="0" hangingPunct="1">
+        <a:defRPr sz="1800" kern="1200">
+          <a:solidFill>
+            <a:schemeClr val="tx1"/>
+          </a:solidFill>
+          <a:latin typeface="+mn-lt"/>
+          <a:ea typeface="+mn-ea"/>
+          <a:cs typeface="+mn-cs"/>
+        </a:defRPr>
+      </a:lvl9pPr>
+    </p:otherStyle>
+  </p:txStyles>
 </p:sldMaster>
 </file>
 
 <file path=ppt/slideMasters/slideMaster2.xml><?xml version="1.0" encoding="utf-8"?>
-<p:sldMaster xmlns:a="http://schemas.openxmlformats.org/drawingml/2006/main" xmlns:p="http://schemas.openxmlformats.org/presentationml/2006/main" xmlns:r="http://schemas.openxmlformats.org/officeDocument/2006/relationships" xmlns:p14="http://schemas.microsoft.com/office/powerpoint/2010/main" xmlns:p15="http://schemas.microsoft.com/office/powerpoint/2012/main" xmlns:mc="http://schemas.openxmlformats.org/markup-compatibility/2006">
+<p:sldMaster xmlns:a="http://schemas.openxmlformats.org/drawingml/2006/main" xmlns:r="http://schemas.openxmlformats.org/officeDocument/2006/relationships" xmlns:p="http://schemas.openxmlformats.org/presentationml/2006/main">
   <p:cSld>
     <p:bg>
       <p:bgPr>
         <a:solidFill>
-          <a:srgbClr val="ffffff"/>
+          <a:srgbClr val="FFFFFF"/>
         </a:solidFill>
+        <a:effectLst/>
       </p:bgPr>
     </p:bg>
     <p:spTree>
@@ -5675,6 +6181,7 @@
           <a:bodyPr anchor="ctr">
             <a:noAutofit/>
           </a:bodyPr>
+          <a:lstStyle/>
           <a:p>
             <a:pPr>
               <a:lnSpc>
@@ -5683,7 +6190,7 @@
               <a:buNone/>
             </a:pPr>
             <a:r>
-              <a:rPr b="0" lang="en-US" sz="4400" spc="-1" strike="noStrike">
+              <a:rPr lang="en-US" sz="4400" b="0" strike="noStrike" spc="-1">
                 <a:solidFill>
                   <a:srgbClr val="000000"/>
                 </a:solidFill>
@@ -5691,7 +6198,7 @@
               </a:rPr>
               <a:t>Click to edit Master title style</a:t>
             </a:r>
-            <a:endParaRPr b="0" lang="en-US" sz="4400" spc="-1" strike="noStrike">
+            <a:endParaRPr lang="en-US" sz="4400" b="0" strike="noStrike" spc="-1">
               <a:solidFill>
                 <a:srgbClr val="000000"/>
               </a:solidFill>
@@ -5727,6 +6234,7 @@
           <a:bodyPr anchor="t">
             <a:noAutofit/>
           </a:bodyPr>
+          <a:lstStyle/>
           <a:p>
             <a:pPr marL="432000" indent="-324000">
               <a:lnSpc>
@@ -5743,7 +6251,7 @@
               <a:buChar char=""/>
             </a:pPr>
             <a:r>
-              <a:rPr b="0" lang="en-US" sz="2800" spc="-1" strike="noStrike">
+              <a:rPr lang="en-US" sz="2800" b="0" strike="noStrike" spc="-1">
                 <a:solidFill>
                   <a:srgbClr val="000000"/>
                 </a:solidFill>
@@ -5751,15 +6259,9 @@
               </a:rPr>
               <a:t>Click to edit Master text styles</a:t>
             </a:r>
-            <a:endParaRPr b="0" lang="en-US" sz="2800" spc="-1" strike="noStrike">
-              <a:solidFill>
-                <a:srgbClr val="000000"/>
-              </a:solidFill>
-              <a:latin typeface="Aptos"/>
-            </a:endParaRPr>
-          </a:p>
-          <a:p>
-            <a:pPr lvl="1" marL="864000" indent="-324000">
+          </a:p>
+          <a:p>
+            <a:pPr marL="864000" lvl="1" indent="-324000">
               <a:lnSpc>
                 <a:spcPct val="90000"/>
               </a:lnSpc>
@@ -5774,7 +6276,7 @@
               <a:buChar char=""/>
             </a:pPr>
             <a:r>
-              <a:rPr b="0" lang="en-US" sz="2400" spc="-1" strike="noStrike">
+              <a:rPr lang="en-US" sz="2400" b="0" strike="noStrike" spc="-1">
                 <a:solidFill>
                   <a:srgbClr val="000000"/>
                 </a:solidFill>
@@ -5782,15 +6284,9 @@
               </a:rPr>
               <a:t>Second level</a:t>
             </a:r>
-            <a:endParaRPr b="0" lang="en-US" sz="2400" spc="-1" strike="noStrike">
-              <a:solidFill>
-                <a:srgbClr val="000000"/>
-              </a:solidFill>
-              <a:latin typeface="Aptos"/>
-            </a:endParaRPr>
-          </a:p>
-          <a:p>
-            <a:pPr lvl="2" marL="1296000" indent="-288000">
+          </a:p>
+          <a:p>
+            <a:pPr marL="1296000" lvl="2" indent="-288000">
               <a:lnSpc>
                 <a:spcPct val="90000"/>
               </a:lnSpc>
@@ -5805,7 +6301,7 @@
               <a:buChar char=""/>
             </a:pPr>
             <a:r>
-              <a:rPr b="0" lang="en-US" sz="2000" spc="-1" strike="noStrike">
+              <a:rPr lang="en-US" sz="2000" b="0" strike="noStrike" spc="-1">
                 <a:solidFill>
                   <a:srgbClr val="000000"/>
                 </a:solidFill>
@@ -5813,15 +6309,9 @@
               </a:rPr>
               <a:t>Third level</a:t>
             </a:r>
-            <a:endParaRPr b="0" lang="en-US" sz="2000" spc="-1" strike="noStrike">
-              <a:solidFill>
-                <a:srgbClr val="000000"/>
-              </a:solidFill>
-              <a:latin typeface="Aptos"/>
-            </a:endParaRPr>
-          </a:p>
-          <a:p>
-            <a:pPr lvl="3" marL="1728000" indent="-216000">
+          </a:p>
+          <a:p>
+            <a:pPr marL="1728000" lvl="3" indent="-216000">
               <a:lnSpc>
                 <a:spcPct val="90000"/>
               </a:lnSpc>
@@ -5836,7 +6326,7 @@
               <a:buChar char=""/>
             </a:pPr>
             <a:r>
-              <a:rPr b="0" lang="en-US" sz="1800" spc="-1" strike="noStrike">
+              <a:rPr lang="en-US" sz="1800" b="0" strike="noStrike" spc="-1">
                 <a:solidFill>
                   <a:srgbClr val="000000"/>
                 </a:solidFill>
@@ -5844,15 +6334,9 @@
               </a:rPr>
               <a:t>Fourth level</a:t>
             </a:r>
-            <a:endParaRPr b="0" lang="en-US" sz="1800" spc="-1" strike="noStrike">
-              <a:solidFill>
-                <a:srgbClr val="000000"/>
-              </a:solidFill>
-              <a:latin typeface="Aptos"/>
-            </a:endParaRPr>
-          </a:p>
-          <a:p>
-            <a:pPr lvl="4" marL="2160000" indent="-216000">
+          </a:p>
+          <a:p>
+            <a:pPr marL="2160000" lvl="4" indent="-216000">
               <a:lnSpc>
                 <a:spcPct val="90000"/>
               </a:lnSpc>
@@ -5867,7 +6351,7 @@
               <a:buChar char=""/>
             </a:pPr>
             <a:r>
-              <a:rPr b="0" lang="en-US" sz="1800" spc="-1" strike="noStrike">
+              <a:rPr lang="en-US" sz="1800" b="0" strike="noStrike" spc="-1">
                 <a:solidFill>
                   <a:srgbClr val="000000"/>
                 </a:solidFill>
@@ -5875,12 +6359,6 @@
               </a:rPr>
               <a:t>Fifth level</a:t>
             </a:r>
-            <a:endParaRPr b="0" lang="en-US" sz="1800" spc="-1" strike="noStrike">
-              <a:solidFill>
-                <a:srgbClr val="000000"/>
-              </a:solidFill>
-              <a:latin typeface="Aptos"/>
-            </a:endParaRPr>
           </a:p>
         </p:txBody>
       </p:sp>
@@ -5917,7 +6395,7 @@
                 <a:spcPct val="100000"/>
               </a:lnSpc>
               <a:buNone/>
-              <a:defRPr b="0" lang="en-US" sz="1200" spc="-1" strike="noStrike">
+              <a:defRPr lang="en-US" sz="1200" b="0" strike="noStrike" spc="-1">
                 <a:solidFill>
                   <a:srgbClr val="787878"/>
                 </a:solidFill>
@@ -5933,7 +6411,7 @@
               <a:buNone/>
             </a:pPr>
             <a:r>
-              <a:rPr b="0" lang="en-US" sz="1200" spc="-1" strike="noStrike">
+              <a:rPr lang="en-US" sz="1200" b="0" strike="noStrike" spc="-1">
                 <a:solidFill>
                   <a:srgbClr val="787878"/>
                 </a:solidFill>
@@ -5941,7 +6419,7 @@
               </a:rPr>
               <a:t>&lt;date/time&gt;</a:t>
             </a:r>
-            <a:endParaRPr b="0" lang="en-US" sz="1200" spc="-1" strike="noStrike">
+            <a:endParaRPr lang="en-US" sz="1200" b="0" strike="noStrike" spc="-1">
               <a:latin typeface="Times New Roman"/>
             </a:endParaRPr>
           </a:p>
@@ -5977,7 +6455,7 @@
           <a:lstStyle>
             <a:lvl1pPr algn="ctr">
               <a:buNone/>
-              <a:defRPr b="0" lang="en-US" sz="1400" spc="-1" strike="noStrike">
+              <a:defRPr lang="en-US" sz="1400" b="0" strike="noStrike" spc="-1">
                 <a:latin typeface="Times New Roman"/>
               </a:defRPr>
             </a:lvl1pPr>
@@ -5987,14 +6465,11 @@
               <a:buNone/>
             </a:pPr>
             <a:r>
-              <a:rPr b="0" lang="en-US" sz="1400" spc="-1" strike="noStrike">
+              <a:rPr lang="en-US" sz="1400" b="0" strike="noStrike" spc="-1">
                 <a:latin typeface="Times New Roman"/>
               </a:rPr>
               <a:t>&lt;footer&gt;</a:t>
             </a:r>
-            <a:endParaRPr b="0" lang="en-US" sz="1400" spc="-1" strike="noStrike">
-              <a:latin typeface="Times New Roman"/>
-            </a:endParaRPr>
           </a:p>
         </p:txBody>
       </p:sp>
@@ -6031,7 +6506,7 @@
                 <a:spcPct val="100000"/>
               </a:lnSpc>
               <a:buNone/>
-              <a:defRPr b="0" lang="en-US" sz="1200" spc="-1" strike="noStrike">
+              <a:defRPr lang="en-US" sz="1200" b="0" strike="noStrike" spc="-1">
                 <a:solidFill>
                   <a:srgbClr val="787878"/>
                 </a:solidFill>
@@ -6047,15 +6522,15 @@
               <a:buNone/>
             </a:pPr>
             <a:fld id="{3843EF41-76B0-4A10-B03D-5893A168CFA5}" type="slidenum">
-              <a:rPr b="0" lang="en-US" sz="1200" spc="-1" strike="noStrike">
+              <a:rPr lang="en-US" sz="1200" b="0" strike="noStrike" spc="-1">
                 <a:solidFill>
                   <a:srgbClr val="787878"/>
                 </a:solidFill>
                 <a:latin typeface="Aptos"/>
               </a:rPr>
-              <a:t>&lt;number&gt;</a:t>
+              <a:t>‹#›</a:t>
             </a:fld>
-            <a:endParaRPr b="0" lang="en-US" sz="1200" spc="-1" strike="noStrike">
+            <a:endParaRPr lang="en-US" sz="1200" b="0" strike="noStrike" spc="-1">
               <a:latin typeface="Times New Roman"/>
             </a:endParaRPr>
           </a:p>
@@ -6063,26 +6538,306 @@
       </p:sp>
     </p:spTree>
   </p:cSld>
-  <p:clrMap bg1="lt1" bg2="lt2" tx1="dk1" tx2="dk2" accent1="accent1" accent2="accent2" accent3="accent3" accent4="accent4" accent5="accent5" accent6="accent6" hlink="hlink" folHlink="folHlink"/>
+  <p:clrMap bg1="lt1" tx1="dk1" bg2="lt2" tx2="dk2" accent1="accent1" accent2="accent2" accent3="accent3" accent4="accent4" accent5="accent5" accent6="accent6" hlink="hlink" folHlink="folHlink"/>
   <p:sldLayoutIdLst>
-    <p:sldLayoutId id="2147483662" r:id="rId2"/>
-    <p:sldLayoutId id="2147483663" r:id="rId3"/>
-    <p:sldLayoutId id="2147483664" r:id="rId4"/>
-    <p:sldLayoutId id="2147483665" r:id="rId5"/>
-    <p:sldLayoutId id="2147483666" r:id="rId6"/>
-    <p:sldLayoutId id="2147483667" r:id="rId7"/>
-    <p:sldLayoutId id="2147483668" r:id="rId8"/>
-    <p:sldLayoutId id="2147483669" r:id="rId9"/>
-    <p:sldLayoutId id="2147483670" r:id="rId10"/>
-    <p:sldLayoutId id="2147483671" r:id="rId11"/>
-    <p:sldLayoutId id="2147483672" r:id="rId12"/>
-    <p:sldLayoutId id="2147483673" r:id="rId13"/>
+    <p:sldLayoutId id="2147483662" r:id="rId1"/>
+    <p:sldLayoutId id="2147483663" r:id="rId2"/>
+    <p:sldLayoutId id="2147483664" r:id="rId3"/>
+    <p:sldLayoutId id="2147483665" r:id="rId4"/>
+    <p:sldLayoutId id="2147483666" r:id="rId5"/>
+    <p:sldLayoutId id="2147483667" r:id="rId6"/>
+    <p:sldLayoutId id="2147483668" r:id="rId7"/>
+    <p:sldLayoutId id="2147483669" r:id="rId8"/>
+    <p:sldLayoutId id="2147483670" r:id="rId9"/>
+    <p:sldLayoutId id="2147483671" r:id="rId10"/>
+    <p:sldLayoutId id="2147483672" r:id="rId11"/>
+    <p:sldLayoutId id="2147483673" r:id="rId12"/>
   </p:sldLayoutIdLst>
+  <p:txStyles>
+    <p:titleStyle>
+      <a:lvl1pPr algn="l" defTabSz="914400" rtl="0" eaLnBrk="1" latinLnBrk="0" hangingPunct="1">
+        <a:lnSpc>
+          <a:spcPct val="90000"/>
+        </a:lnSpc>
+        <a:spcBef>
+          <a:spcPct val="0"/>
+        </a:spcBef>
+        <a:buNone/>
+        <a:defRPr sz="4400" kern="1200">
+          <a:solidFill>
+            <a:schemeClr val="tx1"/>
+          </a:solidFill>
+          <a:latin typeface="+mj-lt"/>
+          <a:ea typeface="+mj-ea"/>
+          <a:cs typeface="+mj-cs"/>
+        </a:defRPr>
+      </a:lvl1pPr>
+    </p:titleStyle>
+    <p:bodyStyle>
+      <a:lvl1pPr marL="228600" indent="-228600" algn="l" defTabSz="914400" rtl="0" eaLnBrk="1" latinLnBrk="0" hangingPunct="1">
+        <a:lnSpc>
+          <a:spcPct val="90000"/>
+        </a:lnSpc>
+        <a:spcBef>
+          <a:spcPts val="1000"/>
+        </a:spcBef>
+        <a:buFont typeface="Arial" panose="020B0604020202020204" pitchFamily="34" charset="0"/>
+        <a:buChar char="•"/>
+        <a:defRPr sz="2800" kern="1200">
+          <a:solidFill>
+            <a:schemeClr val="tx1"/>
+          </a:solidFill>
+          <a:latin typeface="+mn-lt"/>
+          <a:ea typeface="+mn-ea"/>
+          <a:cs typeface="+mn-cs"/>
+        </a:defRPr>
+      </a:lvl1pPr>
+      <a:lvl2pPr marL="685800" indent="-228600" algn="l" defTabSz="914400" rtl="0" eaLnBrk="1" latinLnBrk="0" hangingPunct="1">
+        <a:lnSpc>
+          <a:spcPct val="90000"/>
+        </a:lnSpc>
+        <a:spcBef>
+          <a:spcPts val="500"/>
+        </a:spcBef>
+        <a:buFont typeface="Arial" panose="020B0604020202020204" pitchFamily="34" charset="0"/>
+        <a:buChar char="•"/>
+        <a:defRPr sz="2400" kern="1200">
+          <a:solidFill>
+            <a:schemeClr val="tx1"/>
+          </a:solidFill>
+          <a:latin typeface="+mn-lt"/>
+          <a:ea typeface="+mn-ea"/>
+          <a:cs typeface="+mn-cs"/>
+        </a:defRPr>
+      </a:lvl2pPr>
+      <a:lvl3pPr marL="1143000" indent="-228600" algn="l" defTabSz="914400" rtl="0" eaLnBrk="1" latinLnBrk="0" hangingPunct="1">
+        <a:lnSpc>
+          <a:spcPct val="90000"/>
+        </a:lnSpc>
+        <a:spcBef>
+          <a:spcPts val="500"/>
+        </a:spcBef>
+        <a:buFont typeface="Arial" panose="020B0604020202020204" pitchFamily="34" charset="0"/>
+        <a:buChar char="•"/>
+        <a:defRPr sz="2000" kern="1200">
+          <a:solidFill>
+            <a:schemeClr val="tx1"/>
+          </a:solidFill>
+          <a:latin typeface="+mn-lt"/>
+          <a:ea typeface="+mn-ea"/>
+          <a:cs typeface="+mn-cs"/>
+        </a:defRPr>
+      </a:lvl3pPr>
+      <a:lvl4pPr marL="1600200" indent="-228600" algn="l" defTabSz="914400" rtl="0" eaLnBrk="1" latinLnBrk="0" hangingPunct="1">
+        <a:lnSpc>
+          <a:spcPct val="90000"/>
+        </a:lnSpc>
+        <a:spcBef>
+          <a:spcPts val="500"/>
+        </a:spcBef>
+        <a:buFont typeface="Arial" panose="020B0604020202020204" pitchFamily="34" charset="0"/>
+        <a:buChar char="•"/>
+        <a:defRPr sz="1800" kern="1200">
+          <a:solidFill>
+            <a:schemeClr val="tx1"/>
+          </a:solidFill>
+          <a:latin typeface="+mn-lt"/>
+          <a:ea typeface="+mn-ea"/>
+          <a:cs typeface="+mn-cs"/>
+        </a:defRPr>
+      </a:lvl4pPr>
+      <a:lvl5pPr marL="2057400" indent="-228600" algn="l" defTabSz="914400" rtl="0" eaLnBrk="1" latinLnBrk="0" hangingPunct="1">
+        <a:lnSpc>
+          <a:spcPct val="90000"/>
+        </a:lnSpc>
+        <a:spcBef>
+          <a:spcPts val="500"/>
+        </a:spcBef>
+        <a:buFont typeface="Arial" panose="020B0604020202020204" pitchFamily="34" charset="0"/>
+        <a:buChar char="•"/>
+        <a:defRPr sz="1800" kern="1200">
+          <a:solidFill>
+            <a:schemeClr val="tx1"/>
+          </a:solidFill>
+          <a:latin typeface="+mn-lt"/>
+          <a:ea typeface="+mn-ea"/>
+          <a:cs typeface="+mn-cs"/>
+        </a:defRPr>
+      </a:lvl5pPr>
+      <a:lvl6pPr marL="2514600" indent="-228600" algn="l" defTabSz="914400" rtl="0" eaLnBrk="1" latinLnBrk="0" hangingPunct="1">
+        <a:lnSpc>
+          <a:spcPct val="90000"/>
+        </a:lnSpc>
+        <a:spcBef>
+          <a:spcPts val="500"/>
+        </a:spcBef>
+        <a:buFont typeface="Arial" panose="020B0604020202020204" pitchFamily="34" charset="0"/>
+        <a:buChar char="•"/>
+        <a:defRPr sz="1800" kern="1200">
+          <a:solidFill>
+            <a:schemeClr val="tx1"/>
+          </a:solidFill>
+          <a:latin typeface="+mn-lt"/>
+          <a:ea typeface="+mn-ea"/>
+          <a:cs typeface="+mn-cs"/>
+        </a:defRPr>
+      </a:lvl6pPr>
+      <a:lvl7pPr marL="2971800" indent="-228600" algn="l" defTabSz="914400" rtl="0" eaLnBrk="1" latinLnBrk="0" hangingPunct="1">
+        <a:lnSpc>
+          <a:spcPct val="90000"/>
+        </a:lnSpc>
+        <a:spcBef>
+          <a:spcPts val="500"/>
+        </a:spcBef>
+        <a:buFont typeface="Arial" panose="020B0604020202020204" pitchFamily="34" charset="0"/>
+        <a:buChar char="•"/>
+        <a:defRPr sz="1800" kern="1200">
+          <a:solidFill>
+            <a:schemeClr val="tx1"/>
+          </a:solidFill>
+          <a:latin typeface="+mn-lt"/>
+          <a:ea typeface="+mn-ea"/>
+          <a:cs typeface="+mn-cs"/>
+        </a:defRPr>
+      </a:lvl7pPr>
+      <a:lvl8pPr marL="3429000" indent="-228600" algn="l" defTabSz="914400" rtl="0" eaLnBrk="1" latinLnBrk="0" hangingPunct="1">
+        <a:lnSpc>
+          <a:spcPct val="90000"/>
+        </a:lnSpc>
+        <a:spcBef>
+          <a:spcPts val="500"/>
+        </a:spcBef>
+        <a:buFont typeface="Arial" panose="020B0604020202020204" pitchFamily="34" charset="0"/>
+        <a:buChar char="•"/>
+        <a:defRPr sz="1800" kern="1200">
+          <a:solidFill>
+            <a:schemeClr val="tx1"/>
+          </a:solidFill>
+          <a:latin typeface="+mn-lt"/>
+          <a:ea typeface="+mn-ea"/>
+          <a:cs typeface="+mn-cs"/>
+        </a:defRPr>
+      </a:lvl8pPr>
+      <a:lvl9pPr marL="3886200" indent="-228600" algn="l" defTabSz="914400" rtl="0" eaLnBrk="1" latinLnBrk="0" hangingPunct="1">
+        <a:lnSpc>
+          <a:spcPct val="90000"/>
+        </a:lnSpc>
+        <a:spcBef>
+          <a:spcPts val="500"/>
+        </a:spcBef>
+        <a:buFont typeface="Arial" panose="020B0604020202020204" pitchFamily="34" charset="0"/>
+        <a:buChar char="•"/>
+        <a:defRPr sz="1800" kern="1200">
+          <a:solidFill>
+            <a:schemeClr val="tx1"/>
+          </a:solidFill>
+          <a:latin typeface="+mn-lt"/>
+          <a:ea typeface="+mn-ea"/>
+          <a:cs typeface="+mn-cs"/>
+        </a:defRPr>
+      </a:lvl9pPr>
+    </p:bodyStyle>
+    <p:otherStyle>
+      <a:defPPr>
+        <a:defRPr lang="en-US"/>
+      </a:defPPr>
+      <a:lvl1pPr marL="0" algn="l" defTabSz="914400" rtl="0" eaLnBrk="1" latinLnBrk="0" hangingPunct="1">
+        <a:defRPr sz="1800" kern="1200">
+          <a:solidFill>
+            <a:schemeClr val="tx1"/>
+          </a:solidFill>
+          <a:latin typeface="+mn-lt"/>
+          <a:ea typeface="+mn-ea"/>
+          <a:cs typeface="+mn-cs"/>
+        </a:defRPr>
+      </a:lvl1pPr>
+      <a:lvl2pPr marL="457200" algn="l" defTabSz="914400" rtl="0" eaLnBrk="1" latinLnBrk="0" hangingPunct="1">
+        <a:defRPr sz="1800" kern="1200">
+          <a:solidFill>
+            <a:schemeClr val="tx1"/>
+          </a:solidFill>
+          <a:latin typeface="+mn-lt"/>
+          <a:ea typeface="+mn-ea"/>
+          <a:cs typeface="+mn-cs"/>
+        </a:defRPr>
+      </a:lvl2pPr>
+      <a:lvl3pPr marL="914400" algn="l" defTabSz="914400" rtl="0" eaLnBrk="1" latinLnBrk="0" hangingPunct="1">
+        <a:defRPr sz="1800" kern="1200">
+          <a:solidFill>
+            <a:schemeClr val="tx1"/>
+          </a:solidFill>
+          <a:latin typeface="+mn-lt"/>
+          <a:ea typeface="+mn-ea"/>
+          <a:cs typeface="+mn-cs"/>
+        </a:defRPr>
+      </a:lvl3pPr>
+      <a:lvl4pPr marL="1371600" algn="l" defTabSz="914400" rtl="0" eaLnBrk="1" latinLnBrk="0" hangingPunct="1">
+        <a:defRPr sz="1800" kern="1200">
+          <a:solidFill>
+            <a:schemeClr val="tx1"/>
+          </a:solidFill>
+          <a:latin typeface="+mn-lt"/>
+          <a:ea typeface="+mn-ea"/>
+          <a:cs typeface="+mn-cs"/>
+        </a:defRPr>
+      </a:lvl4pPr>
+      <a:lvl5pPr marL="1828800" algn="l" defTabSz="914400" rtl="0" eaLnBrk="1" latinLnBrk="0" hangingPunct="1">
+        <a:defRPr sz="1800" kern="1200">
+          <a:solidFill>
+            <a:schemeClr val="tx1"/>
+          </a:solidFill>
+          <a:latin typeface="+mn-lt"/>
+          <a:ea typeface="+mn-ea"/>
+          <a:cs typeface="+mn-cs"/>
+        </a:defRPr>
+      </a:lvl5pPr>
+      <a:lvl6pPr marL="2286000" algn="l" defTabSz="914400" rtl="0" eaLnBrk="1" latinLnBrk="0" hangingPunct="1">
+        <a:defRPr sz="1800" kern="1200">
+          <a:solidFill>
+            <a:schemeClr val="tx1"/>
+          </a:solidFill>
+          <a:latin typeface="+mn-lt"/>
+          <a:ea typeface="+mn-ea"/>
+          <a:cs typeface="+mn-cs"/>
+        </a:defRPr>
+      </a:lvl6pPr>
+      <a:lvl7pPr marL="2743200" algn="l" defTabSz="914400" rtl="0" eaLnBrk="1" latinLnBrk="0" hangingPunct="1">
+        <a:defRPr sz="1800" kern="1200">
+          <a:solidFill>
+            <a:schemeClr val="tx1"/>
+          </a:solidFill>
+          <a:latin typeface="+mn-lt"/>
+          <a:ea typeface="+mn-ea"/>
+          <a:cs typeface="+mn-cs"/>
+        </a:defRPr>
+      </a:lvl7pPr>
+      <a:lvl8pPr marL="3200400" algn="l" defTabSz="914400" rtl="0" eaLnBrk="1" latinLnBrk="0" hangingPunct="1">
+        <a:defRPr sz="1800" kern="1200">
+          <a:solidFill>
+            <a:schemeClr val="tx1"/>
+          </a:solidFill>
+          <a:latin typeface="+mn-lt"/>
+          <a:ea typeface="+mn-ea"/>
+          <a:cs typeface="+mn-cs"/>
+        </a:defRPr>
+      </a:lvl8pPr>
+      <a:lvl9pPr marL="3657600" algn="l" defTabSz="914400" rtl="0" eaLnBrk="1" latinLnBrk="0" hangingPunct="1">
+        <a:defRPr sz="1800" kern="1200">
+          <a:solidFill>
+            <a:schemeClr val="tx1"/>
+          </a:solidFill>
+          <a:latin typeface="+mn-lt"/>
+          <a:ea typeface="+mn-ea"/>
+          <a:cs typeface="+mn-cs"/>
+        </a:defRPr>
+      </a:lvl9pPr>
+    </p:otherStyle>
+  </p:txStyles>
 </p:sldMaster>
 </file>
 
 <file path=ppt/slides/slide1.xml><?xml version="1.0" encoding="utf-8"?>
-<p:sld xmlns:a="http://schemas.openxmlformats.org/drawingml/2006/main" xmlns:p="http://schemas.openxmlformats.org/presentationml/2006/main" xmlns:r="http://schemas.openxmlformats.org/officeDocument/2006/relationships" xmlns:p14="http://schemas.microsoft.com/office/powerpoint/2010/main" xmlns:p15="http://schemas.microsoft.com/office/powerpoint/2012/main" xmlns:mc="http://schemas.openxmlformats.org/markup-compatibility/2006">
+<p:sld xmlns:a="http://schemas.openxmlformats.org/drawingml/2006/main" xmlns:r="http://schemas.openxmlformats.org/officeDocument/2006/relationships" xmlns:p="http://schemas.openxmlformats.org/presentationml/2006/main">
   <p:cSld>
     <p:spTree>
       <p:nvGrpSpPr>
@@ -6125,6 +6880,7 @@
           <a:bodyPr anchor="b">
             <a:noAutofit/>
           </a:bodyPr>
+          <a:lstStyle/>
           <a:p>
             <a:pPr algn="ctr">
               <a:lnSpc>
@@ -6133,7 +6889,7 @@
               <a:buNone/>
             </a:pPr>
             <a:r>
-              <a:rPr b="0" lang="en-US" sz="6000" spc="-1" strike="noStrike">
+              <a:rPr lang="en-US" sz="6000" b="0" strike="noStrike" spc="-1">
                 <a:solidFill>
                   <a:srgbClr val="000000"/>
                 </a:solidFill>
@@ -6141,7 +6897,7 @@
               </a:rPr>
               <a:t>westerns</a:t>
             </a:r>
-            <a:endParaRPr b="0" lang="en-US" sz="6000" spc="-1" strike="noStrike">
+            <a:endParaRPr lang="en-US" sz="6000" b="0" strike="noStrike" spc="-1">
               <a:solidFill>
                 <a:srgbClr val="000000"/>
               </a:solidFill>
@@ -6177,11 +6933,12 @@
           <a:bodyPr anchor="t">
             <a:noAutofit/>
           </a:bodyPr>
+          <a:lstStyle/>
           <a:p>
             <a:pPr algn="ctr">
               <a:buNone/>
             </a:pPr>
-            <a:endParaRPr b="0" lang="en-US" sz="3200" spc="-1" strike="noStrike">
+            <a:endParaRPr lang="en-US" sz="3200" b="0" strike="noStrike" spc="-1">
               <a:latin typeface="Arial"/>
             </a:endParaRPr>
           </a:p>
@@ -6189,19 +6946,14 @@
       </p:sp>
     </p:spTree>
   </p:cSld>
-  <mc:AlternateContent>
-    <mc:Choice Requires="p14">
-      <p:transition spd="slow" p14:dur="2000"/>
-    </mc:Choice>
-    <mc:Fallback>
-      <p:transition spd="slow"/>
-    </mc:Fallback>
-  </mc:AlternateContent>
+  <p:clrMapOvr>
+    <a:masterClrMapping/>
+  </p:clrMapOvr>
 </p:sld>
 </file>
 
 <file path=ppt/slides/slide2.xml><?xml version="1.0" encoding="utf-8"?>
-<p:sld xmlns:a="http://schemas.openxmlformats.org/drawingml/2006/main" xmlns:p="http://schemas.openxmlformats.org/presentationml/2006/main" xmlns:r="http://schemas.openxmlformats.org/officeDocument/2006/relationships" xmlns:p14="http://schemas.microsoft.com/office/powerpoint/2010/main" xmlns:p15="http://schemas.microsoft.com/office/powerpoint/2012/main" xmlns:mc="http://schemas.openxmlformats.org/markup-compatibility/2006">
+<p:sld xmlns:a="http://schemas.openxmlformats.org/drawingml/2006/main" xmlns:r="http://schemas.openxmlformats.org/officeDocument/2006/relationships" xmlns:p="http://schemas.openxmlformats.org/presentationml/2006/main">
   <p:cSld>
     <p:spTree>
       <p:nvGrpSpPr>
@@ -6244,6 +6996,7 @@
           <a:bodyPr anchor="ctr">
             <a:noAutofit/>
           </a:bodyPr>
+          <a:lstStyle/>
           <a:p>
             <a:pPr>
               <a:lnSpc>
@@ -6252,7 +7005,7 @@
               <a:buNone/>
             </a:pPr>
             <a:r>
-              <a:rPr b="0" lang="en-US" sz="4400" spc="-1" strike="noStrike">
+              <a:rPr lang="en-US" sz="4400" b="0" strike="noStrike" spc="-1">
                 <a:solidFill>
                   <a:srgbClr val="000000"/>
                 </a:solidFill>
@@ -6260,7 +7013,7 @@
               </a:rPr>
               <a:t>2025-5-13</a:t>
             </a:r>
-            <a:endParaRPr b="0" lang="en-US" sz="4400" spc="-1" strike="noStrike">
+            <a:endParaRPr lang="en-US" sz="4400" b="0" strike="noStrike" spc="-1">
               <a:solidFill>
                 <a:srgbClr val="000000"/>
               </a:solidFill>
@@ -6276,13 +7029,13 @@
           <p:nvPr/>
         </p:nvPicPr>
         <p:blipFill>
-          <a:blip r:embed="rId1"/>
+          <a:blip r:embed="rId2"/>
           <a:srcRect l="27493" t="59167" r="34403" b="12494"/>
           <a:stretch/>
         </p:blipFill>
         <p:spPr>
           <a:xfrm>
-            <a:off x="3955680" y="2314440"/>
+            <a:off x="3955680" y="2409266"/>
             <a:ext cx="4280040" cy="2545920"/>
           </a:xfrm>
           <a:prstGeom prst="rect">
@@ -6295,7 +7048,7 @@
       </p:pic>
       <p:sp>
         <p:nvSpPr>
-          <p:cNvPr id="86" name=""/>
+          <p:cNvPr id="86" name="TextBox 85"/>
           <p:cNvSpPr txBox="1"/>
           <p:nvPr/>
         </p:nvSpPr>
@@ -6313,37 +7066,30 @@
           </a:ln>
         </p:spPr>
         <p:txBody>
-          <a:bodyPr lIns="90000" rIns="90000" tIns="45000" bIns="45000" anchor="t">
+          <a:bodyPr lIns="90000" tIns="45000" rIns="90000" bIns="45000" anchor="t">
             <a:noAutofit/>
           </a:bodyPr>
+          <a:lstStyle/>
           <a:p>
             <a:r>
-              <a:rPr b="0" lang="en-US" sz="900" spc="-1" strike="noStrike">
+              <a:rPr lang="en-US" sz="900" b="0" strike="noStrike" spc="-1">
                 <a:latin typeface="Arial"/>
               </a:rPr>
               <a:t>Ladder, +C, -C, RWT, RD, RC, RY→F, LWT, LD, LC, LWT, LD, LC, blank, Ladder</a:t>
             </a:r>
-            <a:endParaRPr b="0" lang="en-US" sz="900" spc="-1" strike="noStrike">
-              <a:latin typeface="Arial"/>
-            </a:endParaRPr>
           </a:p>
         </p:txBody>
       </p:sp>
     </p:spTree>
   </p:cSld>
-  <mc:AlternateContent>
-    <mc:Choice Requires="p14">
-      <p:transition spd="slow" p14:dur="2000"/>
-    </mc:Choice>
-    <mc:Fallback>
-      <p:transition spd="slow"/>
-    </mc:Fallback>
-  </mc:AlternateContent>
+  <p:clrMapOvr>
+    <a:masterClrMapping/>
+  </p:clrMapOvr>
 </p:sld>
 </file>
 
 <file path=ppt/slides/slide3.xml><?xml version="1.0" encoding="utf-8"?>
-<p:sld xmlns:a="http://schemas.openxmlformats.org/drawingml/2006/main" xmlns:p="http://schemas.openxmlformats.org/presentationml/2006/main" xmlns:r="http://schemas.openxmlformats.org/officeDocument/2006/relationships" xmlns:p14="http://schemas.microsoft.com/office/powerpoint/2010/main" xmlns:p15="http://schemas.microsoft.com/office/powerpoint/2012/main" xmlns:mc="http://schemas.openxmlformats.org/markup-compatibility/2006">
+<p:sld xmlns:a="http://schemas.openxmlformats.org/drawingml/2006/main" xmlns:r="http://schemas.openxmlformats.org/officeDocument/2006/relationships" xmlns:p="http://schemas.openxmlformats.org/presentationml/2006/main">
   <p:cSld>
     <p:spTree>
       <p:nvGrpSpPr>
@@ -6386,6 +7132,7 @@
           <a:bodyPr anchor="ctr">
             <a:noAutofit/>
           </a:bodyPr>
+          <a:lstStyle/>
           <a:p>
             <a:pPr>
               <a:lnSpc>
@@ -6394,7 +7141,7 @@
               <a:buNone/>
             </a:pPr>
             <a:r>
-              <a:rPr b="0" lang="en-US" sz="4400" spc="-1" strike="noStrike">
+              <a:rPr lang="en-US" sz="4400" b="0" strike="noStrike" spc="-1">
                 <a:solidFill>
                   <a:srgbClr val="000000"/>
                 </a:solidFill>
@@ -6402,7 +7149,7 @@
               </a:rPr>
               <a:t>2024-1-1: duplicate</a:t>
             </a:r>
-            <a:endParaRPr b="0" lang="en-US" sz="4400" spc="-1" strike="noStrike">
+            <a:endParaRPr lang="en-US" sz="4400" b="0" strike="noStrike" spc="-1">
               <a:solidFill>
                 <a:srgbClr val="000000"/>
               </a:solidFill>
@@ -6418,7 +7165,7 @@
           <p:nvPr/>
         </p:nvPicPr>
         <p:blipFill>
-          <a:blip r:embed="rId1"/>
+          <a:blip r:embed="rId2"/>
           <a:srcRect l="15971" t="5184" r="36572" b="48666"/>
           <a:stretch/>
         </p:blipFill>
@@ -6442,7 +7189,7 @@
           <p:nvPr/>
         </p:nvPicPr>
         <p:blipFill>
-          <a:blip r:embed="rId2"/>
+          <a:blip r:embed="rId3"/>
           <a:srcRect l="25878" t="12183" r="34527" b="54484"/>
           <a:stretch/>
         </p:blipFill>
@@ -6461,13 +7208,13 @@
       </p:pic>
       <p:sp>
         <p:nvSpPr>
-          <p:cNvPr id="90" name=""/>
+          <p:cNvPr id="90" name="TextBox 89"/>
           <p:cNvSpPr txBox="1"/>
           <p:nvPr/>
         </p:nvSpPr>
         <p:spPr>
           <a:xfrm>
-            <a:off x="1143000" y="5039280"/>
+            <a:off x="1820334" y="4964774"/>
             <a:ext cx="4343400" cy="218520"/>
           </a:xfrm>
           <a:prstGeom prst="rect">
@@ -6479,37 +7226,30 @@
           </a:ln>
         </p:spPr>
         <p:txBody>
-          <a:bodyPr lIns="90000" rIns="90000" tIns="45000" bIns="45000" anchor="t">
+          <a:bodyPr lIns="90000" tIns="45000" rIns="90000" bIns="45000" anchor="t">
             <a:noAutofit/>
           </a:bodyPr>
+          <a:lstStyle/>
           <a:p>
             <a:r>
-              <a:rPr b="0" lang="en-US" sz="900" spc="-1" strike="noStrike">
+              <a:rPr lang="en-US" sz="900" b="0" strike="noStrike" spc="-1" dirty="0">
                 <a:latin typeface="Arial"/>
               </a:rPr>
-              <a:t>Ladder, 5-4, G8, L3, L7, L5, L19, L6, 1G2, 2H7</a:t>
+              <a:t>Ladder, 5-4, G8, L3, L7, L5, L19, L6, +C, +C</a:t>
             </a:r>
-            <a:endParaRPr b="0" lang="en-US" sz="900" spc="-1" strike="noStrike">
-              <a:latin typeface="Arial"/>
-            </a:endParaRPr>
           </a:p>
         </p:txBody>
       </p:sp>
     </p:spTree>
   </p:cSld>
-  <mc:AlternateContent>
-    <mc:Choice Requires="p14">
-      <p:transition spd="slow" p14:dur="2000"/>
-    </mc:Choice>
-    <mc:Fallback>
-      <p:transition spd="slow"/>
-    </mc:Fallback>
-  </mc:AlternateContent>
+  <p:clrMapOvr>
+    <a:masterClrMapping/>
+  </p:clrMapOvr>
 </p:sld>
 </file>
 
 <file path=ppt/slides/slide4.xml><?xml version="1.0" encoding="utf-8"?>
-<p:sld xmlns:a="http://schemas.openxmlformats.org/drawingml/2006/main" xmlns:p="http://schemas.openxmlformats.org/presentationml/2006/main" xmlns:r="http://schemas.openxmlformats.org/officeDocument/2006/relationships" xmlns:p14="http://schemas.microsoft.com/office/powerpoint/2010/main" xmlns:p15="http://schemas.microsoft.com/office/powerpoint/2012/main" xmlns:mc="http://schemas.openxmlformats.org/markup-compatibility/2006">
+<p:sld xmlns:a="http://schemas.openxmlformats.org/drawingml/2006/main" xmlns:r="http://schemas.openxmlformats.org/officeDocument/2006/relationships" xmlns:p="http://schemas.openxmlformats.org/presentationml/2006/main">
   <p:cSld>
     <p:spTree>
       <p:nvGrpSpPr>
@@ -6552,6 +7292,7 @@
           <a:bodyPr anchor="ctr">
             <a:noAutofit/>
           </a:bodyPr>
+          <a:lstStyle/>
           <a:p>
             <a:pPr>
               <a:lnSpc>
@@ -6560,7 +7301,7 @@
               <a:buNone/>
             </a:pPr>
             <a:r>
-              <a:rPr b="0" lang="en-US" sz="4400" spc="-1" strike="noStrike">
+              <a:rPr lang="en-US" sz="4400" b="0" strike="noStrike" spc="-1">
                 <a:solidFill>
                   <a:srgbClr val="000000"/>
                 </a:solidFill>
@@ -6568,7 +7309,7 @@
               </a:rPr>
               <a:t>2023-10-31: duplicate</a:t>
             </a:r>
-            <a:endParaRPr b="0" lang="en-US" sz="4400" spc="-1" strike="noStrike">
+            <a:endParaRPr lang="en-US" sz="4400" b="0" strike="noStrike" spc="-1">
               <a:solidFill>
                 <a:srgbClr val="000000"/>
               </a:solidFill>
@@ -6584,7 +7325,7 @@
           <p:nvPr/>
         </p:nvPicPr>
         <p:blipFill>
-          <a:blip r:embed="rId1"/>
+          <a:blip r:embed="rId2"/>
           <a:srcRect l="23484" t="40879" r="28045" b="15529"/>
           <a:stretch/>
         </p:blipFill>
@@ -6608,7 +7349,7 @@
           <p:nvPr/>
         </p:nvPicPr>
         <p:blipFill>
-          <a:blip r:embed="rId2"/>
+          <a:blip r:embed="rId3"/>
           <a:srcRect l="18302" t="36539" r="35454" b="12967"/>
           <a:stretch/>
         </p:blipFill>
@@ -6627,7 +7368,7 @@
       </p:pic>
       <p:sp>
         <p:nvSpPr>
-          <p:cNvPr id="94" name=""/>
+          <p:cNvPr id="94" name="TextBox 93"/>
           <p:cNvSpPr txBox="1"/>
           <p:nvPr/>
         </p:nvSpPr>
@@ -6645,198 +7386,25 @@
           </a:ln>
         </p:spPr>
         <p:txBody>
-          <a:bodyPr lIns="90000" rIns="90000" tIns="45000" bIns="45000" anchor="t">
+          <a:bodyPr lIns="90000" tIns="45000" rIns="90000" bIns="45000" anchor="t">
             <a:noAutofit/>
           </a:bodyPr>
+          <a:lstStyle/>
           <a:p>
             <a:r>
-              <a:rPr b="0" lang="en-US" sz="900" spc="-1" strike="noStrike">
+              <a:rPr lang="en-US" sz="900" b="0" strike="noStrike" spc="-1">
                 <a:latin typeface="Arial"/>
               </a:rPr>
               <a:t>Ladder, +C, +C, R20,  L19, R19, G5, G9, L13, L18</a:t>
             </a:r>
-            <a:endParaRPr b="0" lang="en-US" sz="900" spc="-1" strike="noStrike">
-              <a:latin typeface="Arial"/>
-            </a:endParaRPr>
           </a:p>
         </p:txBody>
       </p:sp>
     </p:spTree>
   </p:cSld>
-  <mc:AlternateContent>
-    <mc:Choice Requires="p14">
-      <p:transition spd="slow" p14:dur="2000"/>
-    </mc:Choice>
-    <mc:Fallback>
-      <p:transition spd="slow"/>
-    </mc:Fallback>
-  </mc:AlternateContent>
-</p:sld>
-</file>
-
-<file path=ppt/slides/slide5.xml><?xml version="1.0" encoding="utf-8"?>
-<p:sld xmlns:a="http://schemas.openxmlformats.org/drawingml/2006/main" xmlns:p="http://schemas.openxmlformats.org/presentationml/2006/main" xmlns:r="http://schemas.openxmlformats.org/officeDocument/2006/relationships" xmlns:p14="http://schemas.microsoft.com/office/powerpoint/2010/main" xmlns:p15="http://schemas.microsoft.com/office/powerpoint/2012/main" xmlns:mc="http://schemas.openxmlformats.org/markup-compatibility/2006">
-  <p:cSld>
-    <p:spTree>
-      <p:nvGrpSpPr>
-        <p:cNvPr id="1" name=""/>
-        <p:cNvGrpSpPr/>
-        <p:nvPr/>
-      </p:nvGrpSpPr>
-      <p:grpSpPr>
-        <a:xfrm>
-          <a:off x="0" y="0"/>
-          <a:ext cx="0" cy="0"/>
-          <a:chOff x="0" y="0"/>
-          <a:chExt cx="0" cy="0"/>
-        </a:xfrm>
-      </p:grpSpPr>
-      <p:sp>
-        <p:nvSpPr>
-          <p:cNvPr id="95" name="PlaceHolder 1"/>
-          <p:cNvSpPr>
-            <a:spLocks noGrp="1"/>
-          </p:cNvSpPr>
-          <p:nvPr>
-            <p:ph type="title"/>
-          </p:nvPr>
-        </p:nvSpPr>
-        <p:spPr>
-          <a:xfrm>
-            <a:off x="838080" y="365040"/>
-            <a:ext cx="10515240" cy="1325160"/>
-          </a:xfrm>
-          <a:prstGeom prst="rect">
-            <a:avLst/>
-          </a:prstGeom>
-          <a:noFill/>
-          <a:ln w="0">
-            <a:noFill/>
-          </a:ln>
-        </p:spPr>
-        <p:txBody>
-          <a:bodyPr anchor="ctr">
-            <a:noAutofit/>
-          </a:bodyPr>
-          <a:p>
-            <a:pPr>
-              <a:lnSpc>
-                <a:spcPct val="90000"/>
-              </a:lnSpc>
-              <a:buNone/>
-            </a:pPr>
-            <a:r>
-              <a:rPr b="0" lang="en-US" sz="4400" spc="-1" strike="noStrike">
-                <a:solidFill>
-                  <a:srgbClr val="000000"/>
-                </a:solidFill>
-                <a:latin typeface="Aptos Display"/>
-              </a:rPr>
-              <a:t>2023-10-10</a:t>
-            </a:r>
-            <a:endParaRPr b="0" lang="en-US" sz="4400" spc="-1" strike="noStrike">
-              <a:solidFill>
-                <a:srgbClr val="000000"/>
-              </a:solidFill>
-              <a:latin typeface="Aptos"/>
-            </a:endParaRPr>
-          </a:p>
-        </p:txBody>
-      </p:sp>
-      <p:pic>
-        <p:nvPicPr>
-          <p:cNvPr id="96" name="Content Placeholder 4" descr="A white square with black spots&#10;&#10;Description automatically generated"/>
-          <p:cNvPicPr/>
-          <p:nvPr/>
-        </p:nvPicPr>
-        <p:blipFill>
-          <a:blip r:embed="rId1"/>
-          <a:srcRect l="20042" t="35324" r="24917" b="13080"/>
-          <a:stretch/>
-        </p:blipFill>
-        <p:spPr>
-          <a:xfrm>
-            <a:off x="6752520" y="2788920"/>
-            <a:ext cx="2967840" cy="2222280"/>
-          </a:xfrm>
-          <a:prstGeom prst="rect">
-            <a:avLst/>
-          </a:prstGeom>
-          <a:ln w="0">
-            <a:noFill/>
-          </a:ln>
-        </p:spPr>
-      </p:pic>
-      <p:pic>
-        <p:nvPicPr>
-          <p:cNvPr id="97" name="Picture 6" descr="A close-up of a paper&#10;&#10;Description automatically generated"/>
-          <p:cNvPicPr/>
-          <p:nvPr/>
-        </p:nvPicPr>
-        <p:blipFill>
-          <a:blip r:embed="rId2"/>
-          <a:srcRect l="28183" t="46948" r="28443" b="12256"/>
-          <a:stretch/>
-        </p:blipFill>
-        <p:spPr>
-          <a:xfrm>
-            <a:off x="1758600" y="2768040"/>
-            <a:ext cx="3009960" cy="2264400"/>
-          </a:xfrm>
-          <a:prstGeom prst="rect">
-            <a:avLst/>
-          </a:prstGeom>
-          <a:ln w="0">
-            <a:noFill/>
-          </a:ln>
-        </p:spPr>
-      </p:pic>
-      <p:sp>
-        <p:nvSpPr>
-          <p:cNvPr id="98" name=""/>
-          <p:cNvSpPr txBox="1"/>
-          <p:nvPr/>
-        </p:nvSpPr>
-        <p:spPr>
-          <a:xfrm>
-            <a:off x="6629400" y="5267880"/>
-            <a:ext cx="4343400" cy="218520"/>
-          </a:xfrm>
-          <a:prstGeom prst="rect">
-            <a:avLst/>
-          </a:prstGeom>
-          <a:noFill/>
-          <a:ln w="0">
-            <a:noFill/>
-          </a:ln>
-        </p:spPr>
-        <p:txBody>
-          <a:bodyPr lIns="90000" rIns="90000" tIns="45000" bIns="45000" anchor="t">
-            <a:noAutofit/>
-          </a:bodyPr>
-          <a:p>
-            <a:r>
-              <a:rPr b="0" lang="en-US" sz="900" spc="-1" strike="noStrike">
-                <a:latin typeface="Arial"/>
-              </a:rPr>
-              <a:t>Ladder, +C, -C, RWT, RD, RC, RY→F, LWT, LD, LC, LWT, LD, LC, blank, Ladder</a:t>
-            </a:r>
-            <a:endParaRPr b="0" lang="en-US" sz="900" spc="-1" strike="noStrike">
-              <a:latin typeface="Arial"/>
-            </a:endParaRPr>
-          </a:p>
-        </p:txBody>
-      </p:sp>
-    </p:spTree>
-  </p:cSld>
-  <mc:AlternateContent>
-    <mc:Choice Requires="p14">
-      <p:transition spd="slow" p14:dur="2000"/>
-    </mc:Choice>
-    <mc:Fallback>
-      <p:transition spd="slow"/>
-    </mc:Fallback>
-  </mc:AlternateContent>
+  <p:clrMapOvr>
+    <a:masterClrMapping/>
+  </p:clrMapOvr>
 </p:sld>
 </file>
 
@@ -6851,31 +7419,31 @@
         <a:sysClr val="window" lastClr="FFFFFF"/>
       </a:lt1>
       <a:dk2>
-        <a:srgbClr val="1f497d"/>
+        <a:srgbClr val="1F497D"/>
       </a:dk2>
       <a:lt2>
-        <a:srgbClr val="eeece1"/>
+        <a:srgbClr val="EEECE1"/>
       </a:lt2>
       <a:accent1>
-        <a:srgbClr val="4f81bd"/>
+        <a:srgbClr val="4F81BD"/>
       </a:accent1>
       <a:accent2>
-        <a:srgbClr val="c0504d"/>
+        <a:srgbClr val="C0504D"/>
       </a:accent2>
       <a:accent3>
-        <a:srgbClr val="9bbb59"/>
+        <a:srgbClr val="9BBB59"/>
       </a:accent3>
       <a:accent4>
-        <a:srgbClr val="8064a2"/>
+        <a:srgbClr val="8064A2"/>
       </a:accent4>
       <a:accent5>
-        <a:srgbClr val="4bacc6"/>
+        <a:srgbClr val="4BACC6"/>
       </a:accent5>
       <a:accent6>
-        <a:srgbClr val="f79646"/>
+        <a:srgbClr val="F79646"/>
       </a:accent6>
       <a:hlink>
-        <a:srgbClr val="0000ff"/>
+        <a:srgbClr val="0000FF"/>
       </a:hlink>
       <a:folHlink>
         <a:srgbClr val="800080"/>
@@ -7063,6 +7631,8 @@
       </a:bgFillStyleLst>
     </a:fmtScheme>
   </a:themeElements>
+  <a:objectDefaults/>
+  <a:extraClrSchemeLst/>
 </a:theme>
 </file>
 
@@ -7077,31 +7647,31 @@
         <a:sysClr val="window" lastClr="FFFFFF"/>
       </a:lt1>
       <a:dk2>
-        <a:srgbClr val="1f497d"/>
+        <a:srgbClr val="1F497D"/>
       </a:dk2>
       <a:lt2>
-        <a:srgbClr val="eeece1"/>
+        <a:srgbClr val="EEECE1"/>
       </a:lt2>
       <a:accent1>
-        <a:srgbClr val="4f81bd"/>
+        <a:srgbClr val="4F81BD"/>
       </a:accent1>
       <a:accent2>
-        <a:srgbClr val="c0504d"/>
+        <a:srgbClr val="C0504D"/>
       </a:accent2>
       <a:accent3>
-        <a:srgbClr val="9bbb59"/>
+        <a:srgbClr val="9BBB59"/>
       </a:accent3>
       <a:accent4>
-        <a:srgbClr val="8064a2"/>
+        <a:srgbClr val="8064A2"/>
       </a:accent4>
       <a:accent5>
-        <a:srgbClr val="4bacc6"/>
+        <a:srgbClr val="4BACC6"/>
       </a:accent5>
       <a:accent6>
-        <a:srgbClr val="f79646"/>
+        <a:srgbClr val="F79646"/>
       </a:accent6>
       <a:hlink>
-        <a:srgbClr val="0000ff"/>
+        <a:srgbClr val="0000FF"/>
       </a:hlink>
       <a:folHlink>
         <a:srgbClr val="800080"/>
@@ -7289,5 +7859,7 @@
       </a:bgFillStyleLst>
     </a:fmtScheme>
   </a:themeElements>
+  <a:objectDefaults/>
+  <a:extraClrSchemeLst/>
 </a:theme>
 </file>